--- a/DB/파워포인트/헬스장 ERD.pptx
+++ b/DB/파워포인트/헬스장 ERD.pptx
@@ -3095,6 +3095,102 @@
           <a:chExt cx="0" cy="0"/>
         </a:xfrm>
       </p:grpSpPr>
+      <p:cxnSp>
+        <p:nvCxnSpPr>
+          <p:cNvPr id="96" name="직선 연결선 95"/>
+          <p:cNvCxnSpPr>
+            <a:stCxn id="35" idx="1"/>
+            <a:endCxn id="40" idx="4"/>
+          </p:cNvCxnSpPr>
+          <p:nvPr/>
+        </p:nvCxnSpPr>
+        <p:spPr>
+          <a:xfrm flipH="1" flipV="1">
+            <a:off x="2018563" y="586800"/>
+            <a:ext cx="445177" cy="744595"/>
+          </a:xfrm>
+          <a:prstGeom prst="line">
+            <a:avLst/>
+          </a:prstGeom>
+        </p:spPr>
+        <p:style>
+          <a:lnRef idx="1">
+            <a:schemeClr val="accent1"/>
+          </a:lnRef>
+          <a:fillRef idx="0">
+            <a:schemeClr val="accent1"/>
+          </a:fillRef>
+          <a:effectRef idx="0">
+            <a:schemeClr val="accent1"/>
+          </a:effectRef>
+          <a:fontRef idx="minor">
+            <a:schemeClr val="tx1"/>
+          </a:fontRef>
+        </p:style>
+      </p:cxnSp>
+      <p:cxnSp>
+        <p:nvCxnSpPr>
+          <p:cNvPr id="91" name="직선 연결선 90"/>
+          <p:cNvCxnSpPr>
+            <a:stCxn id="35" idx="0"/>
+            <a:endCxn id="41" idx="4"/>
+          </p:cNvCxnSpPr>
+          <p:nvPr/>
+        </p:nvCxnSpPr>
+        <p:spPr>
+          <a:xfrm flipV="1">
+            <a:off x="2937422" y="590469"/>
+            <a:ext cx="0" cy="552375"/>
+          </a:xfrm>
+          <a:prstGeom prst="line">
+            <a:avLst/>
+          </a:prstGeom>
+        </p:spPr>
+        <p:style>
+          <a:lnRef idx="1">
+            <a:schemeClr val="accent1"/>
+          </a:lnRef>
+          <a:fillRef idx="0">
+            <a:schemeClr val="accent1"/>
+          </a:fillRef>
+          <a:effectRef idx="0">
+            <a:schemeClr val="accent1"/>
+          </a:effectRef>
+          <a:fontRef idx="minor">
+            <a:schemeClr val="tx1"/>
+          </a:fontRef>
+        </p:style>
+      </p:cxnSp>
+      <p:cxnSp>
+        <p:nvCxnSpPr>
+          <p:cNvPr id="94" name="직선 연결선 93"/>
+          <p:cNvCxnSpPr/>
+          <p:nvPr/>
+        </p:nvCxnSpPr>
+        <p:spPr>
+          <a:xfrm flipV="1">
+            <a:off x="3131840" y="425735"/>
+            <a:ext cx="1700584" cy="785674"/>
+          </a:xfrm>
+          <a:prstGeom prst="line">
+            <a:avLst/>
+          </a:prstGeom>
+        </p:spPr>
+        <p:style>
+          <a:lnRef idx="1">
+            <a:schemeClr val="accent1"/>
+          </a:lnRef>
+          <a:fillRef idx="0">
+            <a:schemeClr val="accent1"/>
+          </a:fillRef>
+          <a:effectRef idx="0">
+            <a:schemeClr val="accent1"/>
+          </a:effectRef>
+          <a:fontRef idx="minor">
+            <a:schemeClr val="tx1"/>
+          </a:fontRef>
+        </p:style>
+      </p:cxnSp>
       <p:sp>
         <p:nvSpPr>
           <p:cNvPr id="4" name="직사각형 3"/>
@@ -3103,8 +3199,8 @@
         </p:nvSpPr>
         <p:spPr>
           <a:xfrm>
-            <a:off x="1817922" y="1283523"/>
-            <a:ext cx="1152128" cy="648072"/>
+            <a:off x="1331640" y="1211408"/>
+            <a:ext cx="797781" cy="308538"/>
           </a:xfrm>
           <a:prstGeom prst="rect">
             <a:avLst/>
@@ -3132,10 +3228,18 @@
           <a:p>
             <a:pPr algn="ctr"/>
             <a:r>
-              <a:rPr lang="ko-KR" altLang="en-US" dirty="0" smtClean="0"/>
+              <a:rPr lang="ko-KR" altLang="en-US" sz="800" b="1" dirty="0" smtClean="0">
+                <a:solidFill>
+                  <a:schemeClr val="bg1"/>
+                </a:solidFill>
+              </a:rPr>
               <a:t>회원</a:t>
             </a:r>
-            <a:endParaRPr lang="ko-KR" altLang="en-US" dirty="0"/>
+            <a:endParaRPr lang="ko-KR" altLang="en-US" sz="800" b="1" dirty="0">
+              <a:solidFill>
+                <a:schemeClr val="bg1"/>
+              </a:solidFill>
+            </a:endParaRPr>
           </a:p>
         </p:txBody>
       </p:sp>
@@ -3147,8 +3251,8 @@
         </p:nvSpPr>
         <p:spPr>
           <a:xfrm>
-            <a:off x="5994386" y="1282507"/>
-            <a:ext cx="1152128" cy="648072"/>
+            <a:off x="3673967" y="1177126"/>
+            <a:ext cx="797781" cy="308538"/>
           </a:xfrm>
           <a:prstGeom prst="rect">
             <a:avLst/>
@@ -3176,25 +3280,33 @@
           <a:p>
             <a:pPr algn="ctr"/>
             <a:r>
-              <a:rPr lang="ko-KR" altLang="en-US" dirty="0" smtClean="0"/>
+              <a:rPr lang="ko-KR" altLang="en-US" sz="800" b="1" dirty="0" smtClean="0">
+                <a:solidFill>
+                  <a:schemeClr val="bg1"/>
+                </a:solidFill>
+              </a:rPr>
               <a:t>트레이너</a:t>
             </a:r>
-            <a:endParaRPr lang="ko-KR" altLang="en-US" dirty="0"/>
-          </a:p>
-        </p:txBody>
-      </p:sp>
-      <p:sp>
-        <p:nvSpPr>
-          <p:cNvPr id="6" name="직사각형 5"/>
+            <a:endParaRPr lang="ko-KR" altLang="en-US" sz="800" b="1" dirty="0">
+              <a:solidFill>
+                <a:schemeClr val="bg1"/>
+              </a:solidFill>
+            </a:endParaRPr>
+          </a:p>
+        </p:txBody>
+      </p:sp>
+      <p:sp>
+        <p:nvSpPr>
+          <p:cNvPr id="12" name="타원 11"/>
           <p:cNvSpPr/>
           <p:nvPr/>
         </p:nvSpPr>
         <p:spPr>
           <a:xfrm>
-            <a:off x="6354426" y="4527143"/>
-            <a:ext cx="1152128" cy="648072"/>
-          </a:xfrm>
-          <a:prstGeom prst="rect">
+            <a:off x="4832424" y="1636701"/>
+            <a:ext cx="797781" cy="329469"/>
+          </a:xfrm>
+          <a:prstGeom prst="ellipse">
             <a:avLst/>
           </a:prstGeom>
         </p:spPr>
@@ -3220,54 +3332,18 @@
           <a:p>
             <a:pPr algn="ctr"/>
             <a:r>
-              <a:rPr lang="ko-KR" altLang="en-US" dirty="0" smtClean="0"/>
-              <a:t>게시판</a:t>
-            </a:r>
-            <a:endParaRPr lang="ko-KR" altLang="en-US" dirty="0"/>
-          </a:p>
-        </p:txBody>
-      </p:sp>
-      <p:sp>
-        <p:nvSpPr>
-          <p:cNvPr id="12" name="타원 11"/>
-          <p:cNvSpPr/>
-          <p:nvPr/>
-        </p:nvSpPr>
-        <p:spPr>
-          <a:xfrm>
-            <a:off x="7822608" y="1998741"/>
-            <a:ext cx="1152128" cy="692037"/>
-          </a:xfrm>
-          <a:prstGeom prst="ellipse">
-            <a:avLst/>
-          </a:prstGeom>
-        </p:spPr>
-        <p:style>
-          <a:lnRef idx="2">
-            <a:schemeClr val="accent1">
-              <a:shade val="50000"/>
-            </a:schemeClr>
-          </a:lnRef>
-          <a:fillRef idx="1">
-            <a:schemeClr val="accent1"/>
-          </a:fillRef>
-          <a:effectRef idx="0">
-            <a:schemeClr val="accent1"/>
-          </a:effectRef>
-          <a:fontRef idx="minor">
-            <a:schemeClr val="lt1"/>
-          </a:fontRef>
-        </p:style>
-        <p:txBody>
-          <a:bodyPr rtlCol="0" anchor="ctr"/>
-          <a:lstStyle/>
-          <a:p>
-            <a:pPr algn="ctr"/>
-            <a:r>
-              <a:rPr lang="ko-KR" altLang="en-US" dirty="0" smtClean="0"/>
+              <a:rPr lang="ko-KR" altLang="en-US" sz="800" b="1" dirty="0" smtClean="0">
+                <a:solidFill>
+                  <a:schemeClr val="bg1"/>
+                </a:solidFill>
+              </a:rPr>
               <a:t>시간표</a:t>
             </a:r>
-            <a:endParaRPr lang="ko-KR" altLang="en-US" dirty="0"/>
+            <a:endParaRPr lang="ko-KR" altLang="en-US" sz="800" b="1" dirty="0">
+              <a:solidFill>
+                <a:schemeClr val="bg1"/>
+              </a:solidFill>
+            </a:endParaRPr>
           </a:p>
         </p:txBody>
       </p:sp>
@@ -3279,8 +3355,8 @@
         </p:nvSpPr>
         <p:spPr>
           <a:xfrm>
-            <a:off x="305754" y="546505"/>
-            <a:ext cx="1152128" cy="692037"/>
+            <a:off x="336880" y="324087"/>
+            <a:ext cx="797781" cy="329469"/>
           </a:xfrm>
           <a:prstGeom prst="ellipse">
             <a:avLst/>
@@ -3314,10 +3390,18 @@
           <a:p>
             <a:pPr algn="ctr"/>
             <a:r>
-              <a:rPr lang="ko-KR" altLang="en-US" dirty="0" smtClean="0"/>
-              <a:t>회원번호</a:t>
-            </a:r>
-            <a:endParaRPr lang="ko-KR" altLang="en-US" dirty="0"/>
+              <a:rPr lang="en-US" altLang="ko-KR" sz="800" b="1" dirty="0" smtClean="0">
+                <a:solidFill>
+                  <a:schemeClr val="bg1"/>
+                </a:solidFill>
+              </a:rPr>
+              <a:t>ID</a:t>
+            </a:r>
+            <a:endParaRPr lang="ko-KR" altLang="en-US" sz="800" b="1" dirty="0">
+              <a:solidFill>
+                <a:schemeClr val="bg1"/>
+              </a:solidFill>
+            </a:endParaRPr>
           </a:p>
         </p:txBody>
       </p:sp>
@@ -3329,8 +3413,8 @@
         </p:nvSpPr>
         <p:spPr>
           <a:xfrm>
-            <a:off x="280726" y="1311566"/>
-            <a:ext cx="1152128" cy="692037"/>
+            <a:off x="316096" y="1133738"/>
+            <a:ext cx="797781" cy="329469"/>
           </a:xfrm>
           <a:prstGeom prst="ellipse">
             <a:avLst/>
@@ -3358,10 +3442,18 @@
           <a:p>
             <a:pPr algn="ctr"/>
             <a:r>
-              <a:rPr lang="ko-KR" altLang="en-US" dirty="0" smtClean="0"/>
+              <a:rPr lang="ko-KR" altLang="en-US" sz="800" b="1" dirty="0" smtClean="0">
+                <a:solidFill>
+                  <a:schemeClr val="bg1"/>
+                </a:solidFill>
+              </a:rPr>
               <a:t>이름</a:t>
             </a:r>
-            <a:endParaRPr lang="ko-KR" altLang="en-US" dirty="0"/>
+            <a:endParaRPr lang="ko-KR" altLang="en-US" sz="800" b="1" dirty="0">
+              <a:solidFill>
+                <a:schemeClr val="bg1"/>
+              </a:solidFill>
+            </a:endParaRPr>
           </a:p>
         </p:txBody>
       </p:sp>
@@ -3373,8 +3465,8 @@
         </p:nvSpPr>
         <p:spPr>
           <a:xfrm>
-            <a:off x="305754" y="2043678"/>
-            <a:ext cx="1152128" cy="692037"/>
+            <a:off x="311668" y="2800642"/>
+            <a:ext cx="797781" cy="329469"/>
           </a:xfrm>
           <a:prstGeom prst="ellipse">
             <a:avLst/>
@@ -3402,10 +3494,18 @@
           <a:p>
             <a:pPr algn="ctr"/>
             <a:r>
-              <a:rPr lang="ko-KR" altLang="en-US" dirty="0" smtClean="0"/>
+              <a:rPr lang="ko-KR" altLang="en-US" sz="800" b="1" dirty="0" smtClean="0">
+                <a:solidFill>
+                  <a:schemeClr val="bg1"/>
+                </a:solidFill>
+              </a:rPr>
               <a:t>등록기간</a:t>
             </a:r>
-            <a:endParaRPr lang="ko-KR" altLang="en-US" dirty="0"/>
+            <a:endParaRPr lang="ko-KR" altLang="en-US" sz="800" b="1" dirty="0">
+              <a:solidFill>
+                <a:schemeClr val="bg1"/>
+              </a:solidFill>
+            </a:endParaRPr>
           </a:p>
         </p:txBody>
       </p:sp>
@@ -3417,8 +3517,8 @@
         </p:nvSpPr>
         <p:spPr>
           <a:xfrm>
-            <a:off x="6362669" y="5776328"/>
-            <a:ext cx="1152128" cy="692037"/>
+            <a:off x="6792733" y="2888237"/>
+            <a:ext cx="797781" cy="329469"/>
           </a:xfrm>
           <a:prstGeom prst="ellipse">
             <a:avLst/>
@@ -3446,10 +3546,18 @@
           <a:p>
             <a:pPr algn="ctr"/>
             <a:r>
-              <a:rPr lang="ko-KR" altLang="en-US" dirty="0" smtClean="0"/>
+              <a:rPr lang="ko-KR" altLang="en-US" sz="800" b="1" dirty="0" smtClean="0">
+                <a:solidFill>
+                  <a:schemeClr val="bg1"/>
+                </a:solidFill>
+              </a:rPr>
               <a:t>제목</a:t>
             </a:r>
-            <a:endParaRPr lang="ko-KR" altLang="en-US" dirty="0"/>
+            <a:endParaRPr lang="ko-KR" altLang="en-US" sz="800" b="1" dirty="0">
+              <a:solidFill>
+                <a:schemeClr val="bg1"/>
+              </a:solidFill>
+            </a:endParaRPr>
           </a:p>
         </p:txBody>
       </p:sp>
@@ -3461,8 +3569,8 @@
         </p:nvSpPr>
         <p:spPr>
           <a:xfrm>
-            <a:off x="5056923" y="5776327"/>
-            <a:ext cx="1152128" cy="692037"/>
+            <a:off x="5928638" y="4221078"/>
+            <a:ext cx="797781" cy="329469"/>
           </a:xfrm>
           <a:prstGeom prst="ellipse">
             <a:avLst/>
@@ -3496,348 +3604,21 @@
           <a:p>
             <a:pPr algn="ctr"/>
             <a:r>
-              <a:rPr lang="ko-KR" altLang="en-US" dirty="0" smtClean="0"/>
+              <a:rPr lang="ko-KR" altLang="en-US" sz="800" b="1" dirty="0" smtClean="0">
+                <a:solidFill>
+                  <a:schemeClr val="bg1"/>
+                </a:solidFill>
+              </a:rPr>
               <a:t>카테고리번호</a:t>
             </a:r>
-            <a:endParaRPr lang="ko-KR" altLang="en-US" dirty="0"/>
-          </a:p>
-        </p:txBody>
-      </p:sp>
-      <p:cxnSp>
-        <p:nvCxnSpPr>
-          <p:cNvPr id="32" name="직선 연결선 31"/>
-          <p:cNvCxnSpPr>
-            <a:stCxn id="4" idx="3"/>
-            <a:endCxn id="5" idx="1"/>
-          </p:cNvCxnSpPr>
-          <p:nvPr/>
-        </p:nvCxnSpPr>
-        <p:spPr>
-          <a:xfrm flipV="1">
-            <a:off x="2970050" y="1606543"/>
-            <a:ext cx="3024336" cy="1016"/>
-          </a:xfrm>
-          <a:prstGeom prst="line">
-            <a:avLst/>
-          </a:prstGeom>
-        </p:spPr>
-        <p:style>
-          <a:lnRef idx="1">
-            <a:schemeClr val="accent1"/>
-          </a:lnRef>
-          <a:fillRef idx="0">
-            <a:schemeClr val="accent1"/>
-          </a:fillRef>
-          <a:effectRef idx="0">
-            <a:schemeClr val="accent1"/>
-          </a:effectRef>
-          <a:fontRef idx="minor">
-            <a:schemeClr val="tx1"/>
-          </a:fontRef>
-        </p:style>
-      </p:cxnSp>
-      <p:cxnSp>
-        <p:nvCxnSpPr>
-          <p:cNvPr id="44" name="직선 연결선 43"/>
-          <p:cNvCxnSpPr/>
-          <p:nvPr/>
-        </p:nvCxnSpPr>
-        <p:spPr>
-          <a:xfrm flipV="1">
-            <a:off x="4475089" y="936487"/>
-            <a:ext cx="1159257" cy="518079"/>
-          </a:xfrm>
-          <a:prstGeom prst="line">
-            <a:avLst/>
-          </a:prstGeom>
-        </p:spPr>
-        <p:style>
-          <a:lnRef idx="1">
-            <a:schemeClr val="accent1"/>
-          </a:lnRef>
-          <a:fillRef idx="0">
-            <a:schemeClr val="accent1"/>
-          </a:fillRef>
-          <a:effectRef idx="0">
-            <a:schemeClr val="accent1"/>
-          </a:effectRef>
-          <a:fontRef idx="minor">
-            <a:schemeClr val="tx1"/>
-          </a:fontRef>
-        </p:style>
-      </p:cxnSp>
-      <p:cxnSp>
-        <p:nvCxnSpPr>
-          <p:cNvPr id="46" name="직선 연결선 45"/>
-          <p:cNvCxnSpPr/>
-          <p:nvPr/>
-        </p:nvCxnSpPr>
-        <p:spPr>
-          <a:xfrm flipH="1">
-            <a:off x="4482218" y="1022518"/>
-            <a:ext cx="100883" cy="432048"/>
-          </a:xfrm>
-          <a:prstGeom prst="line">
-            <a:avLst/>
-          </a:prstGeom>
-        </p:spPr>
-        <p:style>
-          <a:lnRef idx="1">
-            <a:schemeClr val="accent1"/>
-          </a:lnRef>
-          <a:fillRef idx="0">
-            <a:schemeClr val="accent1"/>
-          </a:fillRef>
-          <a:effectRef idx="0">
-            <a:schemeClr val="accent1"/>
-          </a:effectRef>
-          <a:fontRef idx="minor">
-            <a:schemeClr val="tx1"/>
-          </a:fontRef>
-        </p:style>
-      </p:cxnSp>
-      <p:cxnSp>
-        <p:nvCxnSpPr>
-          <p:cNvPr id="48" name="직선 연결선 47"/>
-          <p:cNvCxnSpPr/>
-          <p:nvPr/>
-        </p:nvCxnSpPr>
-        <p:spPr>
-          <a:xfrm>
-            <a:off x="3366094" y="1022518"/>
-            <a:ext cx="1108995" cy="432048"/>
-          </a:xfrm>
-          <a:prstGeom prst="line">
-            <a:avLst/>
-          </a:prstGeom>
-        </p:spPr>
-        <p:style>
-          <a:lnRef idx="1">
-            <a:schemeClr val="accent1"/>
-          </a:lnRef>
-          <a:fillRef idx="0">
-            <a:schemeClr val="accent1"/>
-          </a:fillRef>
-          <a:effectRef idx="0">
-            <a:schemeClr val="accent1"/>
-          </a:effectRef>
-          <a:fontRef idx="minor">
-            <a:schemeClr val="tx1"/>
-          </a:fontRef>
-        </p:style>
-      </p:cxnSp>
-      <p:cxnSp>
-        <p:nvCxnSpPr>
-          <p:cNvPr id="50" name="직선 연결선 49"/>
-          <p:cNvCxnSpPr/>
-          <p:nvPr/>
-        </p:nvCxnSpPr>
-        <p:spPr>
-          <a:xfrm flipV="1">
-            <a:off x="6930490" y="819856"/>
-            <a:ext cx="1368152" cy="786687"/>
-          </a:xfrm>
-          <a:prstGeom prst="line">
-            <a:avLst/>
-          </a:prstGeom>
-        </p:spPr>
-        <p:style>
-          <a:lnRef idx="1">
-            <a:schemeClr val="accent1"/>
-          </a:lnRef>
-          <a:fillRef idx="0">
-            <a:schemeClr val="accent1"/>
-          </a:fillRef>
-          <a:effectRef idx="0">
-            <a:schemeClr val="accent1"/>
-          </a:effectRef>
-          <a:fontRef idx="minor">
-            <a:schemeClr val="tx1"/>
-          </a:fontRef>
-        </p:style>
-      </p:cxnSp>
-      <p:cxnSp>
-        <p:nvCxnSpPr>
-          <p:cNvPr id="52" name="직선 연결선 51"/>
-          <p:cNvCxnSpPr/>
-          <p:nvPr/>
-        </p:nvCxnSpPr>
-        <p:spPr>
-          <a:xfrm>
-            <a:off x="6930490" y="1650208"/>
-            <a:ext cx="1368152" cy="0"/>
-          </a:xfrm>
-          <a:prstGeom prst="line">
-            <a:avLst/>
-          </a:prstGeom>
-        </p:spPr>
-        <p:style>
-          <a:lnRef idx="1">
-            <a:schemeClr val="accent1"/>
-          </a:lnRef>
-          <a:fillRef idx="0">
-            <a:schemeClr val="accent1"/>
-          </a:fillRef>
-          <a:effectRef idx="0">
-            <a:schemeClr val="accent1"/>
-          </a:effectRef>
-          <a:fontRef idx="minor">
-            <a:schemeClr val="tx1"/>
-          </a:fontRef>
-        </p:style>
-      </p:cxnSp>
-      <p:cxnSp>
-        <p:nvCxnSpPr>
-          <p:cNvPr id="54" name="직선 연결선 53"/>
-          <p:cNvCxnSpPr/>
-          <p:nvPr/>
-        </p:nvCxnSpPr>
-        <p:spPr>
-          <a:xfrm>
-            <a:off x="7002498" y="1742598"/>
-            <a:ext cx="1296144" cy="764831"/>
-          </a:xfrm>
-          <a:prstGeom prst="line">
-            <a:avLst/>
-          </a:prstGeom>
-        </p:spPr>
-        <p:style>
-          <a:lnRef idx="1">
-            <a:schemeClr val="accent1"/>
-          </a:lnRef>
-          <a:fillRef idx="0">
-            <a:schemeClr val="accent1"/>
-          </a:fillRef>
-          <a:effectRef idx="0">
-            <a:schemeClr val="accent1"/>
-          </a:effectRef>
-          <a:fontRef idx="minor">
-            <a:schemeClr val="tx1"/>
-          </a:fontRef>
-        </p:style>
-      </p:cxnSp>
-      <p:cxnSp>
-        <p:nvCxnSpPr>
-          <p:cNvPr id="68" name="직선 연결선 67"/>
-          <p:cNvCxnSpPr>
-            <a:stCxn id="16" idx="6"/>
-          </p:cNvCxnSpPr>
-          <p:nvPr/>
-        </p:nvCxnSpPr>
-        <p:spPr>
-          <a:xfrm>
-            <a:off x="1457882" y="892524"/>
-            <a:ext cx="467722" cy="518078"/>
-          </a:xfrm>
-          <a:prstGeom prst="line">
-            <a:avLst/>
-          </a:prstGeom>
-        </p:spPr>
-        <p:style>
-          <a:lnRef idx="1">
-            <a:schemeClr val="accent1"/>
-          </a:lnRef>
-          <a:fillRef idx="0">
-            <a:schemeClr val="accent1"/>
-          </a:fillRef>
-          <a:effectRef idx="0">
-            <a:schemeClr val="accent1"/>
-          </a:effectRef>
-          <a:fontRef idx="minor">
-            <a:schemeClr val="tx1"/>
-          </a:fontRef>
-        </p:style>
-      </p:cxnSp>
-      <p:cxnSp>
-        <p:nvCxnSpPr>
-          <p:cNvPr id="70" name="직선 연결선 69"/>
-          <p:cNvCxnSpPr/>
-          <p:nvPr/>
-        </p:nvCxnSpPr>
-        <p:spPr>
-          <a:xfrm>
-            <a:off x="1241858" y="1742598"/>
-            <a:ext cx="683746" cy="0"/>
-          </a:xfrm>
-          <a:prstGeom prst="line">
-            <a:avLst/>
-          </a:prstGeom>
-        </p:spPr>
-        <p:style>
-          <a:lnRef idx="1">
-            <a:schemeClr val="accent1"/>
-          </a:lnRef>
-          <a:fillRef idx="0">
-            <a:schemeClr val="accent1"/>
-          </a:fillRef>
-          <a:effectRef idx="0">
-            <a:schemeClr val="accent1"/>
-          </a:effectRef>
-          <a:fontRef idx="minor">
-            <a:schemeClr val="tx1"/>
-          </a:fontRef>
-        </p:style>
-      </p:cxnSp>
-      <p:cxnSp>
-        <p:nvCxnSpPr>
-          <p:cNvPr id="72" name="직선 연결선 71"/>
-          <p:cNvCxnSpPr/>
-          <p:nvPr/>
-        </p:nvCxnSpPr>
-        <p:spPr>
-          <a:xfrm flipV="1">
-            <a:off x="1241858" y="1742598"/>
-            <a:ext cx="683746" cy="602161"/>
-          </a:xfrm>
-          <a:prstGeom prst="line">
-            <a:avLst/>
-          </a:prstGeom>
-        </p:spPr>
-        <p:style>
-          <a:lnRef idx="1">
-            <a:schemeClr val="accent1"/>
-          </a:lnRef>
-          <a:fillRef idx="0">
-            <a:schemeClr val="accent1"/>
-          </a:fillRef>
-          <a:effectRef idx="0">
-            <a:schemeClr val="accent1"/>
-          </a:effectRef>
-          <a:fontRef idx="minor">
-            <a:schemeClr val="tx1"/>
-          </a:fontRef>
-        </p:style>
-      </p:cxnSp>
-      <p:cxnSp>
-        <p:nvCxnSpPr>
-          <p:cNvPr id="93" name="직선 연결선 92"/>
-          <p:cNvCxnSpPr/>
-          <p:nvPr/>
-        </p:nvCxnSpPr>
-        <p:spPr>
-          <a:xfrm flipV="1">
-            <a:off x="5622970" y="5116472"/>
-            <a:ext cx="1007782" cy="715593"/>
-          </a:xfrm>
-          <a:prstGeom prst="line">
-            <a:avLst/>
-          </a:prstGeom>
-        </p:spPr>
-        <p:style>
-          <a:lnRef idx="1">
-            <a:schemeClr val="accent1"/>
-          </a:lnRef>
-          <a:fillRef idx="0">
-            <a:schemeClr val="accent1"/>
-          </a:fillRef>
-          <a:effectRef idx="0">
-            <a:schemeClr val="accent1"/>
-          </a:effectRef>
-          <a:fontRef idx="minor">
-            <a:schemeClr val="tx1"/>
-          </a:fontRef>
-        </p:style>
-      </p:cxnSp>
+            <a:endParaRPr lang="ko-KR" altLang="en-US" sz="800" b="1" dirty="0">
+              <a:solidFill>
+                <a:schemeClr val="bg1"/>
+              </a:solidFill>
+            </a:endParaRPr>
+          </a:p>
+        </p:txBody>
+      </p:sp>
       <p:sp>
         <p:nvSpPr>
           <p:cNvPr id="97" name="타원 96"/>
@@ -3846,8 +3627,8 @@
         </p:nvSpPr>
         <p:spPr>
           <a:xfrm>
-            <a:off x="7650570" y="5771387"/>
-            <a:ext cx="1152128" cy="692037"/>
+            <a:off x="6792734" y="3330760"/>
+            <a:ext cx="797781" cy="329469"/>
           </a:xfrm>
           <a:prstGeom prst="ellipse">
             <a:avLst/>
@@ -3875,73 +3656,21 @@
           <a:p>
             <a:pPr algn="ctr"/>
             <a:r>
-              <a:rPr lang="ko-KR" altLang="en-US" smtClean="0"/>
+              <a:rPr lang="ko-KR" altLang="en-US" sz="800" b="1" smtClean="0">
+                <a:solidFill>
+                  <a:schemeClr val="bg1"/>
+                </a:solidFill>
+              </a:rPr>
               <a:t>내용</a:t>
             </a:r>
-            <a:endParaRPr lang="ko-KR" altLang="en-US" dirty="0"/>
-          </a:p>
-        </p:txBody>
-      </p:sp>
-      <p:cxnSp>
-        <p:nvCxnSpPr>
-          <p:cNvPr id="99" name="직선 연결선 98"/>
-          <p:cNvCxnSpPr/>
-          <p:nvPr/>
-        </p:nvCxnSpPr>
-        <p:spPr>
-          <a:xfrm>
-            <a:off x="6938733" y="5132582"/>
-            <a:ext cx="0" cy="782991"/>
-          </a:xfrm>
-          <a:prstGeom prst="line">
-            <a:avLst/>
-          </a:prstGeom>
-        </p:spPr>
-        <p:style>
-          <a:lnRef idx="1">
-            <a:schemeClr val="accent1"/>
-          </a:lnRef>
-          <a:fillRef idx="0">
-            <a:schemeClr val="accent1"/>
-          </a:fillRef>
-          <a:effectRef idx="0">
-            <a:schemeClr val="accent1"/>
-          </a:effectRef>
-          <a:fontRef idx="minor">
-            <a:schemeClr val="tx1"/>
-          </a:fontRef>
-        </p:style>
-      </p:cxnSp>
-      <p:cxnSp>
-        <p:nvCxnSpPr>
-          <p:cNvPr id="101" name="직선 연결선 100"/>
-          <p:cNvCxnSpPr/>
-          <p:nvPr/>
-        </p:nvCxnSpPr>
-        <p:spPr>
-          <a:xfrm>
-            <a:off x="7191776" y="5168518"/>
-            <a:ext cx="1074399" cy="711120"/>
-          </a:xfrm>
-          <a:prstGeom prst="line">
-            <a:avLst/>
-          </a:prstGeom>
-        </p:spPr>
-        <p:style>
-          <a:lnRef idx="1">
-            <a:schemeClr val="accent1"/>
-          </a:lnRef>
-          <a:fillRef idx="0">
-            <a:schemeClr val="accent1"/>
-          </a:fillRef>
-          <a:effectRef idx="0">
-            <a:schemeClr val="accent1"/>
-          </a:effectRef>
-          <a:fontRef idx="minor">
-            <a:schemeClr val="tx1"/>
-          </a:fontRef>
-        </p:style>
-      </p:cxnSp>
+            <a:endParaRPr lang="ko-KR" altLang="en-US" sz="800" b="1" dirty="0">
+              <a:solidFill>
+                <a:schemeClr val="bg1"/>
+              </a:solidFill>
+            </a:endParaRPr>
+          </a:p>
+        </p:txBody>
+      </p:sp>
       <p:sp>
         <p:nvSpPr>
           <p:cNvPr id="110" name="직사각형 109"/>
@@ -3950,8 +3679,8 @@
         </p:nvSpPr>
         <p:spPr>
           <a:xfrm>
-            <a:off x="2555776" y="4851179"/>
-            <a:ext cx="1235237" cy="623089"/>
+            <a:off x="1277909" y="3337119"/>
+            <a:ext cx="855328" cy="296644"/>
           </a:xfrm>
           <a:prstGeom prst="rect">
             <a:avLst/>
@@ -3979,10 +3708,18 @@
           <a:p>
             <a:pPr algn="ctr"/>
             <a:r>
-              <a:rPr lang="ko-KR" altLang="en-US" dirty="0" smtClean="0"/>
+              <a:rPr lang="ko-KR" altLang="en-US" sz="800" b="1" dirty="0" smtClean="0">
+                <a:solidFill>
+                  <a:schemeClr val="bg1"/>
+                </a:solidFill>
+              </a:rPr>
               <a:t>카테고리</a:t>
             </a:r>
-            <a:endParaRPr lang="ko-KR" altLang="en-US" dirty="0"/>
+            <a:endParaRPr lang="ko-KR" altLang="en-US" sz="800" b="1" dirty="0">
+              <a:solidFill>
+                <a:schemeClr val="bg1"/>
+              </a:solidFill>
+            </a:endParaRPr>
           </a:p>
         </p:txBody>
       </p:sp>
@@ -3994,8 +3731,8 @@
         </p:nvSpPr>
         <p:spPr>
           <a:xfrm>
-            <a:off x="345331" y="5644394"/>
-            <a:ext cx="1242036" cy="692036"/>
+            <a:off x="1179262" y="3783294"/>
+            <a:ext cx="860037" cy="329468"/>
           </a:xfrm>
           <a:prstGeom prst="ellipse">
             <a:avLst/>
@@ -4023,10 +3760,18 @@
           <a:p>
             <a:pPr algn="ctr"/>
             <a:r>
-              <a:rPr lang="ko-KR" altLang="en-US" dirty="0" err="1" smtClean="0"/>
+              <a:rPr lang="ko-KR" altLang="en-US" sz="800" b="1" dirty="0" err="1" smtClean="0">
+                <a:solidFill>
+                  <a:schemeClr val="bg1"/>
+                </a:solidFill>
+              </a:rPr>
               <a:t>카테고리명</a:t>
             </a:r>
-            <a:endParaRPr lang="ko-KR" altLang="en-US" dirty="0"/>
+            <a:endParaRPr lang="ko-KR" altLang="en-US" sz="800" b="1" dirty="0">
+              <a:solidFill>
+                <a:schemeClr val="bg1"/>
+              </a:solidFill>
+            </a:endParaRPr>
           </a:p>
         </p:txBody>
       </p:sp>
@@ -4038,8 +3783,8 @@
         </p:nvSpPr>
         <p:spPr>
           <a:xfrm>
-            <a:off x="1817922" y="5719942"/>
-            <a:ext cx="1242036" cy="692036"/>
+            <a:off x="2133237" y="3783294"/>
+            <a:ext cx="860037" cy="329468"/>
           </a:xfrm>
           <a:prstGeom prst="ellipse">
             <a:avLst/>
@@ -4067,287 +3812,21 @@
           <a:p>
             <a:pPr algn="ctr"/>
             <a:r>
-              <a:rPr lang="ko-KR" altLang="en-US" dirty="0" smtClean="0"/>
+              <a:rPr lang="ko-KR" altLang="en-US" sz="800" b="1" dirty="0" smtClean="0">
+                <a:solidFill>
+                  <a:schemeClr val="bg1"/>
+                </a:solidFill>
+              </a:rPr>
               <a:t>읽기권한</a:t>
             </a:r>
-            <a:endParaRPr lang="ko-KR" altLang="en-US" dirty="0"/>
-          </a:p>
-        </p:txBody>
-      </p:sp>
-      <p:cxnSp>
-        <p:nvCxnSpPr>
-          <p:cNvPr id="115" name="직선 연결선 114"/>
-          <p:cNvCxnSpPr/>
-          <p:nvPr/>
-        </p:nvCxnSpPr>
-        <p:spPr>
-          <a:xfrm flipV="1">
-            <a:off x="2493171" y="5441786"/>
-            <a:ext cx="360166" cy="369281"/>
-          </a:xfrm>
-          <a:prstGeom prst="line">
-            <a:avLst/>
-          </a:prstGeom>
-        </p:spPr>
-        <p:style>
-          <a:lnRef idx="1">
-            <a:schemeClr val="accent1"/>
-          </a:lnRef>
-          <a:fillRef idx="0">
-            <a:schemeClr val="accent1"/>
-          </a:fillRef>
-          <a:effectRef idx="0">
-            <a:schemeClr val="accent1"/>
-          </a:effectRef>
-          <a:fontRef idx="minor">
-            <a:schemeClr val="tx1"/>
-          </a:fontRef>
-        </p:style>
-      </p:cxnSp>
-      <p:cxnSp>
-        <p:nvCxnSpPr>
-          <p:cNvPr id="117" name="직선 연결선 116"/>
-          <p:cNvCxnSpPr/>
-          <p:nvPr/>
-        </p:nvCxnSpPr>
-        <p:spPr>
-          <a:xfrm flipV="1">
-            <a:off x="1432854" y="5373217"/>
-            <a:ext cx="1266938" cy="506421"/>
-          </a:xfrm>
-          <a:prstGeom prst="line">
-            <a:avLst/>
-          </a:prstGeom>
-        </p:spPr>
-        <p:style>
-          <a:lnRef idx="1">
-            <a:schemeClr val="accent1"/>
-          </a:lnRef>
-          <a:fillRef idx="0">
-            <a:schemeClr val="accent1"/>
-          </a:fillRef>
-          <a:effectRef idx="0">
-            <a:schemeClr val="accent1"/>
-          </a:effectRef>
-          <a:fontRef idx="minor">
-            <a:schemeClr val="tx1"/>
-          </a:fontRef>
-        </p:style>
-      </p:cxnSp>
-      <p:cxnSp>
-        <p:nvCxnSpPr>
-          <p:cNvPr id="119" name="직선 연결선 118"/>
-          <p:cNvCxnSpPr/>
-          <p:nvPr/>
-        </p:nvCxnSpPr>
-        <p:spPr>
-          <a:xfrm>
-            <a:off x="1331640" y="5196661"/>
-            <a:ext cx="1368152" cy="32539"/>
-          </a:xfrm>
-          <a:prstGeom prst="line">
-            <a:avLst/>
-          </a:prstGeom>
-        </p:spPr>
-        <p:style>
-          <a:lnRef idx="1">
-            <a:schemeClr val="accent1"/>
-          </a:lnRef>
-          <a:fillRef idx="0">
-            <a:schemeClr val="accent1"/>
-          </a:fillRef>
-          <a:effectRef idx="0">
-            <a:schemeClr val="accent1"/>
-          </a:effectRef>
-          <a:fontRef idx="minor">
-            <a:schemeClr val="tx1"/>
-          </a:fontRef>
-        </p:style>
-      </p:cxnSp>
-      <p:sp>
-        <p:nvSpPr>
-          <p:cNvPr id="120" name="타원 119"/>
-          <p:cNvSpPr/>
-          <p:nvPr/>
-        </p:nvSpPr>
-        <p:spPr>
-          <a:xfrm>
-            <a:off x="7826427" y="4504624"/>
-            <a:ext cx="1152128" cy="692037"/>
-          </a:xfrm>
-          <a:prstGeom prst="ellipse">
-            <a:avLst/>
-          </a:prstGeom>
-        </p:spPr>
-        <p:style>
-          <a:lnRef idx="2">
-            <a:schemeClr val="accent1">
-              <a:shade val="50000"/>
-            </a:schemeClr>
-          </a:lnRef>
-          <a:fillRef idx="1">
-            <a:schemeClr val="accent1"/>
-          </a:fillRef>
-          <a:effectRef idx="0">
-            <a:schemeClr val="accent1"/>
-          </a:effectRef>
-          <a:fontRef idx="minor">
-            <a:schemeClr val="lt1"/>
-          </a:fontRef>
-        </p:style>
-        <p:txBody>
-          <a:bodyPr rtlCol="0" anchor="ctr"/>
-          <a:lstStyle/>
-          <a:p>
-            <a:pPr algn="ctr"/>
-            <a:r>
-              <a:rPr lang="ko-KR" altLang="en-US" dirty="0" smtClean="0"/>
-              <a:t>작성</a:t>
-            </a:r>
-            <a:r>
-              <a:rPr lang="ko-KR" altLang="en-US" dirty="0"/>
-              <a:t>자</a:t>
-            </a:r>
-            <a:endParaRPr lang="ko-KR" altLang="en-US" dirty="0"/>
-          </a:p>
-        </p:txBody>
-      </p:sp>
-      <p:cxnSp>
-        <p:nvCxnSpPr>
-          <p:cNvPr id="122" name="직선 연결선 121"/>
-          <p:cNvCxnSpPr/>
-          <p:nvPr/>
-        </p:nvCxnSpPr>
-        <p:spPr>
-          <a:xfrm>
-            <a:off x="7380312" y="4850642"/>
-            <a:ext cx="885863" cy="537"/>
-          </a:xfrm>
-          <a:prstGeom prst="line">
-            <a:avLst/>
-          </a:prstGeom>
-        </p:spPr>
-        <p:style>
-          <a:lnRef idx="1">
-            <a:schemeClr val="accent1"/>
-          </a:lnRef>
-          <a:fillRef idx="0">
-            <a:schemeClr val="accent1"/>
-          </a:fillRef>
-          <a:effectRef idx="0">
-            <a:schemeClr val="accent1"/>
-          </a:effectRef>
-          <a:fontRef idx="minor">
-            <a:schemeClr val="tx1"/>
-          </a:fontRef>
-        </p:style>
-      </p:cxnSp>
-      <p:cxnSp>
-        <p:nvCxnSpPr>
-          <p:cNvPr id="124" name="직선 연결선 123"/>
-          <p:cNvCxnSpPr>
-            <a:stCxn id="110" idx="3"/>
-          </p:cNvCxnSpPr>
-          <p:nvPr/>
-        </p:nvCxnSpPr>
-        <p:spPr>
-          <a:xfrm flipV="1">
-            <a:off x="3791013" y="4850642"/>
-            <a:ext cx="2653195" cy="312082"/>
-          </a:xfrm>
-          <a:prstGeom prst="line">
-            <a:avLst/>
-          </a:prstGeom>
-        </p:spPr>
-        <p:style>
-          <a:lnRef idx="1">
-            <a:schemeClr val="accent1"/>
-          </a:lnRef>
-          <a:fillRef idx="0">
-            <a:schemeClr val="accent1"/>
-          </a:fillRef>
-          <a:effectRef idx="0">
-            <a:schemeClr val="accent1"/>
-          </a:effectRef>
-          <a:fontRef idx="minor">
-            <a:schemeClr val="tx1"/>
-          </a:fontRef>
-        </p:style>
-      </p:cxnSp>
-      <p:sp>
-        <p:nvSpPr>
-          <p:cNvPr id="125" name="다이아몬드 124"/>
-          <p:cNvSpPr/>
-          <p:nvPr/>
-        </p:nvSpPr>
-        <p:spPr>
-          <a:xfrm>
-            <a:off x="4433534" y="4610639"/>
-            <a:ext cx="1368152" cy="792088"/>
-          </a:xfrm>
-          <a:prstGeom prst="diamond">
-            <a:avLst/>
-          </a:prstGeom>
-        </p:spPr>
-        <p:style>
-          <a:lnRef idx="2">
-            <a:schemeClr val="accent1">
-              <a:shade val="50000"/>
-            </a:schemeClr>
-          </a:lnRef>
-          <a:fillRef idx="1">
-            <a:schemeClr val="accent1"/>
-          </a:fillRef>
-          <a:effectRef idx="0">
-            <a:schemeClr val="accent1"/>
-          </a:effectRef>
-          <a:fontRef idx="minor">
-            <a:schemeClr val="lt1"/>
-          </a:fontRef>
-        </p:style>
-        <p:txBody>
-          <a:bodyPr rtlCol="0" anchor="ctr"/>
-          <a:lstStyle/>
-          <a:p>
-            <a:pPr algn="ctr"/>
-            <a:r>
-              <a:rPr lang="ko-KR" altLang="en-US" dirty="0" smtClean="0"/>
-              <a:t>포함</a:t>
-            </a:r>
-            <a:endParaRPr lang="en-US" altLang="ko-KR" dirty="0" smtClean="0"/>
-          </a:p>
-        </p:txBody>
-      </p:sp>
-      <p:cxnSp>
-        <p:nvCxnSpPr>
-          <p:cNvPr id="138" name="직선 연결선 137"/>
-          <p:cNvCxnSpPr/>
-          <p:nvPr/>
-        </p:nvCxnSpPr>
-        <p:spPr>
-          <a:xfrm flipV="1">
-            <a:off x="7380312" y="4046854"/>
-            <a:ext cx="417268" cy="634050"/>
-          </a:xfrm>
-          <a:prstGeom prst="line">
-            <a:avLst/>
-          </a:prstGeom>
-        </p:spPr>
-        <p:style>
-          <a:lnRef idx="1">
-            <a:schemeClr val="accent1"/>
-          </a:lnRef>
-          <a:fillRef idx="0">
-            <a:schemeClr val="accent1"/>
-          </a:fillRef>
-          <a:effectRef idx="0">
-            <a:schemeClr val="accent1"/>
-          </a:effectRef>
-          <a:fontRef idx="minor">
-            <a:schemeClr val="tx1"/>
-          </a:fontRef>
-        </p:style>
-      </p:cxnSp>
+            <a:endParaRPr lang="ko-KR" altLang="en-US" sz="800" b="1" dirty="0">
+              <a:solidFill>
+                <a:schemeClr val="bg1"/>
+              </a:solidFill>
+            </a:endParaRPr>
+          </a:p>
+        </p:txBody>
+      </p:sp>
       <p:sp>
         <p:nvSpPr>
           <p:cNvPr id="139" name="타원 138"/>
@@ -4356,8 +3835,8 @@
         </p:nvSpPr>
         <p:spPr>
           <a:xfrm>
-            <a:off x="7794668" y="3608706"/>
-            <a:ext cx="1152128" cy="692037"/>
+            <a:off x="5064542" y="4233649"/>
+            <a:ext cx="797781" cy="329469"/>
           </a:xfrm>
           <a:prstGeom prst="ellipse">
             <a:avLst/>
@@ -4391,25 +3870,33 @@
           <a:p>
             <a:pPr algn="ctr"/>
             <a:r>
-              <a:rPr lang="ko-KR" altLang="en-US" dirty="0" smtClean="0"/>
+              <a:rPr lang="ko-KR" altLang="en-US" sz="800" b="1" dirty="0" smtClean="0">
+                <a:solidFill>
+                  <a:schemeClr val="bg1"/>
+                </a:solidFill>
+              </a:rPr>
               <a:t>게시판번호</a:t>
             </a:r>
-            <a:endParaRPr lang="ko-KR" altLang="en-US" dirty="0"/>
-          </a:p>
-        </p:txBody>
-      </p:sp>
-      <p:sp>
-        <p:nvSpPr>
-          <p:cNvPr id="11" name="타원 10"/>
+            <a:endParaRPr lang="ko-KR" altLang="en-US" sz="800" b="1" dirty="0">
+              <a:solidFill>
+                <a:schemeClr val="bg1"/>
+              </a:solidFill>
+            </a:endParaRPr>
+          </a:p>
+        </p:txBody>
+      </p:sp>
+      <p:sp>
+        <p:nvSpPr>
+          <p:cNvPr id="35" name="다이아몬드 34"/>
           <p:cNvSpPr/>
           <p:nvPr/>
         </p:nvSpPr>
         <p:spPr>
           <a:xfrm>
-            <a:off x="7797580" y="1304190"/>
-            <a:ext cx="1152128" cy="692037"/>
-          </a:xfrm>
-          <a:prstGeom prst="ellipse">
+            <a:off x="2463740" y="1142844"/>
+            <a:ext cx="947364" cy="377102"/>
+          </a:xfrm>
+          <a:prstGeom prst="diamond">
             <a:avLst/>
           </a:prstGeom>
         </p:spPr>
@@ -4435,51 +3922,11 @@
           <a:p>
             <a:pPr algn="ctr"/>
             <a:r>
-              <a:rPr lang="ko-KR" altLang="en-US" dirty="0" smtClean="0"/>
-              <a:t>이름</a:t>
-            </a:r>
-            <a:endParaRPr lang="ko-KR" altLang="en-US" dirty="0"/>
-          </a:p>
-        </p:txBody>
-      </p:sp>
-      <p:sp>
-        <p:nvSpPr>
-          <p:cNvPr id="35" name="다이아몬드 34"/>
-          <p:cNvSpPr/>
-          <p:nvPr/>
-        </p:nvSpPr>
-        <p:spPr>
-          <a:xfrm>
-            <a:off x="3791013" y="1211515"/>
-            <a:ext cx="1368152" cy="792088"/>
-          </a:xfrm>
-          <a:prstGeom prst="diamond">
-            <a:avLst/>
-          </a:prstGeom>
-        </p:spPr>
-        <p:style>
-          <a:lnRef idx="2">
-            <a:schemeClr val="accent1">
-              <a:shade val="50000"/>
-            </a:schemeClr>
-          </a:lnRef>
-          <a:fillRef idx="1">
-            <a:schemeClr val="accent1"/>
-          </a:fillRef>
-          <a:effectRef idx="0">
-            <a:schemeClr val="accent1"/>
-          </a:effectRef>
-          <a:fontRef idx="minor">
-            <a:schemeClr val="lt1"/>
-          </a:fontRef>
-        </p:style>
-        <p:txBody>
-          <a:bodyPr rtlCol="0" anchor="ctr"/>
-          <a:lstStyle/>
-          <a:p>
-            <a:pPr algn="ctr"/>
-            <a:r>
-              <a:rPr lang="en-US" altLang="ko-KR" dirty="0" smtClean="0"/>
+              <a:rPr lang="en-US" altLang="ko-KR" sz="800" b="1" dirty="0" smtClean="0">
+                <a:solidFill>
+                  <a:schemeClr val="bg1"/>
+                </a:solidFill>
+              </a:rPr>
               <a:t>PT</a:t>
             </a:r>
           </a:p>
@@ -4493,8 +3940,8 @@
         </p:nvSpPr>
         <p:spPr>
           <a:xfrm>
-            <a:off x="305754" y="4839690"/>
-            <a:ext cx="1242036" cy="692036"/>
+            <a:off x="268234" y="3783294"/>
+            <a:ext cx="860037" cy="329468"/>
           </a:xfrm>
           <a:prstGeom prst="ellipse">
             <a:avLst/>
@@ -4528,10 +3975,18 @@
           <a:p>
             <a:pPr algn="ctr"/>
             <a:r>
-              <a:rPr lang="ko-KR" altLang="en-US" dirty="0" smtClean="0"/>
+              <a:rPr lang="ko-KR" altLang="en-US" sz="800" b="1" dirty="0" smtClean="0">
+                <a:solidFill>
+                  <a:schemeClr val="bg1"/>
+                </a:solidFill>
+              </a:rPr>
               <a:t>카테고리코드</a:t>
             </a:r>
-            <a:endParaRPr lang="en-US" altLang="ko-KR" dirty="0" smtClean="0"/>
+            <a:endParaRPr lang="en-US" altLang="ko-KR" sz="800" b="1" dirty="0" smtClean="0">
+              <a:solidFill>
+                <a:schemeClr val="bg1"/>
+              </a:solidFill>
+            </a:endParaRPr>
           </a:p>
         </p:txBody>
       </p:sp>
@@ -4543,8 +3998,8 @@
         </p:nvSpPr>
         <p:spPr>
           <a:xfrm>
-            <a:off x="5201968" y="456298"/>
-            <a:ext cx="1152128" cy="692037"/>
+            <a:off x="3521103" y="261001"/>
+            <a:ext cx="797781" cy="329469"/>
           </a:xfrm>
           <a:prstGeom prst="ellipse">
             <a:avLst/>
@@ -4578,10 +4033,21 @@
           <a:p>
             <a:pPr algn="ctr"/>
             <a:r>
-              <a:rPr lang="ko-KR" altLang="en-US" dirty="0" smtClean="0"/>
-              <a:t>회원번호</a:t>
-            </a:r>
-            <a:endParaRPr lang="ko-KR" altLang="en-US" dirty="0"/>
+              <a:rPr lang="ko-KR" altLang="en-US" sz="800" b="1" dirty="0" smtClean="0">
+                <a:solidFill>
+                  <a:schemeClr val="bg1"/>
+                </a:solidFill>
+              </a:rPr>
+              <a:t>회원 </a:t>
+            </a:r>
+            <a:r>
+              <a:rPr lang="en-US" altLang="ko-KR" sz="800" b="1" dirty="0" smtClean="0">
+                <a:solidFill>
+                  <a:schemeClr val="bg1"/>
+                </a:solidFill>
+              </a:rPr>
+              <a:t>ID</a:t>
+            </a:r>
           </a:p>
         </p:txBody>
       </p:sp>
@@ -4593,8 +4059,8 @@
         </p:nvSpPr>
         <p:spPr>
           <a:xfrm>
-            <a:off x="4007037" y="456299"/>
-            <a:ext cx="1152128" cy="692037"/>
+            <a:off x="2538531" y="261000"/>
+            <a:ext cx="797781" cy="329469"/>
           </a:xfrm>
           <a:prstGeom prst="ellipse">
             <a:avLst/>
@@ -4628,10 +4094,18 @@
           <a:p>
             <a:pPr algn="ctr"/>
             <a:r>
-              <a:rPr lang="ko-KR" altLang="en-US" dirty="0" smtClean="0"/>
+              <a:rPr lang="ko-KR" altLang="en-US" sz="800" b="1" dirty="0" smtClean="0">
+                <a:solidFill>
+                  <a:schemeClr val="bg1"/>
+                </a:solidFill>
+              </a:rPr>
               <a:t>트레이너번호</a:t>
             </a:r>
-            <a:endParaRPr lang="ko-KR" altLang="en-US" dirty="0"/>
+            <a:endParaRPr lang="ko-KR" altLang="en-US" sz="800" b="1" dirty="0">
+              <a:solidFill>
+                <a:schemeClr val="bg1"/>
+              </a:solidFill>
+            </a:endParaRPr>
           </a:p>
         </p:txBody>
       </p:sp>
@@ -4643,8 +4117,8 @@
         </p:nvSpPr>
         <p:spPr>
           <a:xfrm>
-            <a:off x="2790030" y="473838"/>
-            <a:ext cx="1152128" cy="692037"/>
+            <a:off x="1619672" y="257331"/>
+            <a:ext cx="797781" cy="329469"/>
           </a:xfrm>
           <a:prstGeom prst="ellipse">
             <a:avLst/>
@@ -4678,14 +4152,26 @@
           <a:p>
             <a:pPr algn="ctr"/>
             <a:r>
-              <a:rPr lang="en-US" altLang="ko-KR" dirty="0" smtClean="0"/>
+              <a:rPr lang="en-US" altLang="ko-KR" sz="800" b="1" dirty="0" smtClean="0">
+                <a:solidFill>
+                  <a:schemeClr val="bg1"/>
+                </a:solidFill>
+              </a:rPr>
               <a:t>PT</a:t>
             </a:r>
             <a:r>
-              <a:rPr lang="ko-KR" altLang="en-US" dirty="0" smtClean="0"/>
+              <a:rPr lang="ko-KR" altLang="en-US" sz="800" b="1" dirty="0" smtClean="0">
+                <a:solidFill>
+                  <a:schemeClr val="bg1"/>
+                </a:solidFill>
+              </a:rPr>
               <a:t>번호</a:t>
             </a:r>
-            <a:endParaRPr lang="ko-KR" altLang="en-US" dirty="0"/>
+            <a:endParaRPr lang="ko-KR" altLang="en-US" sz="800" b="1" dirty="0">
+              <a:solidFill>
+                <a:schemeClr val="bg1"/>
+              </a:solidFill>
+            </a:endParaRPr>
           </a:p>
         </p:txBody>
       </p:sp>
@@ -4697,8 +4183,8 @@
         </p:nvSpPr>
         <p:spPr>
           <a:xfrm>
-            <a:off x="7822608" y="590469"/>
-            <a:ext cx="1152128" cy="692037"/>
+            <a:off x="4833515" y="818572"/>
+            <a:ext cx="797781" cy="329469"/>
           </a:xfrm>
           <a:prstGeom prst="ellipse">
             <a:avLst/>
@@ -4732,130 +4218,18 @@
           <a:p>
             <a:pPr algn="ctr"/>
             <a:r>
-              <a:rPr lang="ko-KR" altLang="en-US" dirty="0" smtClean="0"/>
+              <a:rPr lang="ko-KR" altLang="en-US" sz="800" b="1" dirty="0" smtClean="0">
+                <a:solidFill>
+                  <a:schemeClr val="bg1"/>
+                </a:solidFill>
+              </a:rPr>
               <a:t>트레이너번호</a:t>
             </a:r>
-            <a:endParaRPr lang="en-US" altLang="ko-KR" dirty="0" smtClean="0"/>
-          </a:p>
-        </p:txBody>
-      </p:sp>
-      <p:sp>
-        <p:nvSpPr>
-          <p:cNvPr id="143" name="TextBox 142"/>
-          <p:cNvSpPr txBox="1"/>
-          <p:nvPr/>
-        </p:nvSpPr>
-        <p:spPr>
-          <a:xfrm>
-            <a:off x="5430479" y="1405597"/>
-            <a:ext cx="311304" cy="369332"/>
-          </a:xfrm>
-          <a:prstGeom prst="rect">
-            <a:avLst/>
-          </a:prstGeom>
-          <a:noFill/>
-        </p:spPr>
-        <p:txBody>
-          <a:bodyPr wrap="none" rtlCol="0">
-            <a:spAutoFit/>
-          </a:bodyPr>
-          <a:lstStyle/>
-          <a:p>
-            <a:r>
-              <a:rPr lang="en-US" altLang="ko-KR" dirty="0" smtClean="0"/>
-              <a:t>1</a:t>
-            </a:r>
-            <a:endParaRPr lang="ko-KR" altLang="en-US" dirty="0"/>
-          </a:p>
-        </p:txBody>
-      </p:sp>
-      <p:sp>
-        <p:nvSpPr>
-          <p:cNvPr id="144" name="TextBox 143"/>
-          <p:cNvSpPr txBox="1"/>
-          <p:nvPr/>
-        </p:nvSpPr>
-        <p:spPr>
-          <a:xfrm>
-            <a:off x="3230246" y="1410602"/>
-            <a:ext cx="396262" cy="369332"/>
-          </a:xfrm>
-          <a:prstGeom prst="rect">
-            <a:avLst/>
-          </a:prstGeom>
-          <a:noFill/>
-        </p:spPr>
-        <p:txBody>
-          <a:bodyPr wrap="none" rtlCol="0">
-            <a:spAutoFit/>
-          </a:bodyPr>
-          <a:lstStyle/>
-          <a:p>
-            <a:r>
-              <a:rPr lang="en-US" altLang="ko-KR" dirty="0"/>
-              <a:t>M</a:t>
-            </a:r>
-            <a:endParaRPr lang="ko-KR" altLang="en-US" dirty="0"/>
-          </a:p>
-        </p:txBody>
-      </p:sp>
-      <p:sp>
-        <p:nvSpPr>
-          <p:cNvPr id="145" name="TextBox 144"/>
-          <p:cNvSpPr txBox="1"/>
-          <p:nvPr/>
-        </p:nvSpPr>
-        <p:spPr>
-          <a:xfrm>
-            <a:off x="3981625" y="4931806"/>
-            <a:ext cx="396262" cy="369332"/>
-          </a:xfrm>
-          <a:prstGeom prst="rect">
-            <a:avLst/>
-          </a:prstGeom>
-          <a:noFill/>
-        </p:spPr>
-        <p:txBody>
-          <a:bodyPr wrap="none" rtlCol="0">
-            <a:spAutoFit/>
-          </a:bodyPr>
-          <a:lstStyle/>
-          <a:p>
-            <a:r>
-              <a:rPr lang="en-US" altLang="ko-KR" dirty="0"/>
-              <a:t>M</a:t>
-            </a:r>
-            <a:endParaRPr lang="ko-KR" altLang="en-US" dirty="0"/>
-          </a:p>
-        </p:txBody>
-      </p:sp>
-      <p:sp>
-        <p:nvSpPr>
-          <p:cNvPr id="146" name="TextBox 145"/>
-          <p:cNvSpPr txBox="1"/>
-          <p:nvPr/>
-        </p:nvSpPr>
-        <p:spPr>
-          <a:xfrm>
-            <a:off x="5903250" y="4699534"/>
-            <a:ext cx="360996" cy="369332"/>
-          </a:xfrm>
-          <a:prstGeom prst="rect">
-            <a:avLst/>
-          </a:prstGeom>
-          <a:noFill/>
-        </p:spPr>
-        <p:txBody>
-          <a:bodyPr wrap="none" rtlCol="0">
-            <a:spAutoFit/>
-          </a:bodyPr>
-          <a:lstStyle/>
-          <a:p>
-            <a:r>
-              <a:rPr lang="en-US" altLang="ko-KR" dirty="0"/>
-              <a:t>N</a:t>
-            </a:r>
-            <a:endParaRPr lang="ko-KR" altLang="en-US" dirty="0"/>
+            <a:endParaRPr lang="en-US" altLang="ko-KR" sz="800" b="1" dirty="0" smtClean="0">
+              <a:solidFill>
+                <a:schemeClr val="bg1"/>
+              </a:solidFill>
+            </a:endParaRPr>
           </a:p>
         </p:txBody>
       </p:sp>
@@ -4867,8 +4241,8 @@
         </p:nvSpPr>
         <p:spPr>
           <a:xfrm>
-            <a:off x="3059958" y="5759885"/>
-            <a:ext cx="1242036" cy="692036"/>
+            <a:off x="3119625" y="3783294"/>
+            <a:ext cx="860037" cy="329468"/>
           </a:xfrm>
           <a:prstGeom prst="ellipse">
             <a:avLst/>
@@ -4896,16 +4270,1202 @@
           <a:p>
             <a:pPr algn="ctr"/>
             <a:r>
-              <a:rPr lang="ko-KR" altLang="en-US" dirty="0" smtClean="0"/>
+              <a:rPr lang="ko-KR" altLang="en-US" sz="800" b="1" dirty="0" smtClean="0">
+                <a:solidFill>
+                  <a:schemeClr val="bg1"/>
+                </a:solidFill>
+              </a:rPr>
               <a:t>쓰기권한</a:t>
             </a:r>
-            <a:endParaRPr lang="ko-KR" altLang="en-US" dirty="0"/>
+            <a:endParaRPr lang="ko-KR" altLang="en-US" sz="800" b="1" dirty="0">
+              <a:solidFill>
+                <a:schemeClr val="bg1"/>
+              </a:solidFill>
+            </a:endParaRPr>
+          </a:p>
+        </p:txBody>
+      </p:sp>
+      <p:sp>
+        <p:nvSpPr>
+          <p:cNvPr id="87" name="타원 86"/>
+          <p:cNvSpPr/>
+          <p:nvPr/>
+        </p:nvSpPr>
+        <p:spPr>
+          <a:xfrm>
+            <a:off x="316096" y="2023143"/>
+            <a:ext cx="797780" cy="274452"/>
+          </a:xfrm>
+          <a:prstGeom prst="ellipse">
+            <a:avLst/>
+          </a:prstGeom>
+        </p:spPr>
+        <p:style>
+          <a:lnRef idx="2">
+            <a:schemeClr val="accent1">
+              <a:shade val="50000"/>
+            </a:schemeClr>
+          </a:lnRef>
+          <a:fillRef idx="1">
+            <a:schemeClr val="accent1"/>
+          </a:fillRef>
+          <a:effectRef idx="0">
+            <a:schemeClr val="accent1"/>
+          </a:effectRef>
+          <a:fontRef idx="minor">
+            <a:schemeClr val="lt1"/>
+          </a:fontRef>
+        </p:style>
+        <p:txBody>
+          <a:bodyPr rtlCol="0" anchor="ctr"/>
+          <a:lstStyle/>
+          <a:p>
+            <a:pPr algn="ctr"/>
+            <a:r>
+              <a:rPr lang="ko-KR" altLang="en-US" sz="800" b="1" dirty="0" smtClean="0">
+                <a:solidFill>
+                  <a:schemeClr val="bg1"/>
+                </a:solidFill>
+              </a:rPr>
+              <a:t>주소</a:t>
+            </a:r>
+            <a:endParaRPr lang="en-US" altLang="ko-KR" sz="800" b="1" dirty="0" smtClean="0">
+              <a:solidFill>
+                <a:schemeClr val="bg1"/>
+              </a:solidFill>
+            </a:endParaRPr>
+          </a:p>
+        </p:txBody>
+      </p:sp>
+      <p:sp>
+        <p:nvSpPr>
+          <p:cNvPr id="114" name="타원 113"/>
+          <p:cNvSpPr/>
+          <p:nvPr/>
+        </p:nvSpPr>
+        <p:spPr>
+          <a:xfrm>
+            <a:off x="316095" y="2429437"/>
+            <a:ext cx="797780" cy="274452"/>
+          </a:xfrm>
+          <a:prstGeom prst="ellipse">
+            <a:avLst/>
+          </a:prstGeom>
+        </p:spPr>
+        <p:style>
+          <a:lnRef idx="2">
+            <a:schemeClr val="accent1">
+              <a:shade val="50000"/>
+            </a:schemeClr>
+          </a:lnRef>
+          <a:fillRef idx="1">
+            <a:schemeClr val="accent1"/>
+          </a:fillRef>
+          <a:effectRef idx="0">
+            <a:schemeClr val="accent1"/>
+          </a:effectRef>
+          <a:fontRef idx="minor">
+            <a:schemeClr val="lt1"/>
+          </a:fontRef>
+        </p:style>
+        <p:txBody>
+          <a:bodyPr rtlCol="0" anchor="ctr"/>
+          <a:lstStyle/>
+          <a:p>
+            <a:pPr algn="ctr"/>
+            <a:r>
+              <a:rPr lang="ko-KR" altLang="en-US" sz="800" b="1" dirty="0" smtClean="0">
+                <a:solidFill>
+                  <a:schemeClr val="bg1"/>
+                </a:solidFill>
+              </a:rPr>
+              <a:t>연락처</a:t>
+            </a:r>
+            <a:endParaRPr lang="ko-KR" altLang="en-US" sz="800" b="1" dirty="0">
+              <a:solidFill>
+                <a:schemeClr val="bg1"/>
+              </a:solidFill>
+            </a:endParaRPr>
+          </a:p>
+        </p:txBody>
+      </p:sp>
+      <p:sp>
+        <p:nvSpPr>
+          <p:cNvPr id="116" name="타원 115"/>
+          <p:cNvSpPr/>
+          <p:nvPr/>
+        </p:nvSpPr>
+        <p:spPr>
+          <a:xfrm>
+            <a:off x="317870" y="745095"/>
+            <a:ext cx="797780" cy="274452"/>
+          </a:xfrm>
+          <a:prstGeom prst="ellipse">
+            <a:avLst/>
+          </a:prstGeom>
+        </p:spPr>
+        <p:style>
+          <a:lnRef idx="2">
+            <a:schemeClr val="accent1">
+              <a:shade val="50000"/>
+            </a:schemeClr>
+          </a:lnRef>
+          <a:fillRef idx="1">
+            <a:schemeClr val="accent1"/>
+          </a:fillRef>
+          <a:effectRef idx="0">
+            <a:schemeClr val="accent1"/>
+          </a:effectRef>
+          <a:fontRef idx="minor">
+            <a:schemeClr val="lt1"/>
+          </a:fontRef>
+        </p:style>
+        <p:txBody>
+          <a:bodyPr rtlCol="0" anchor="ctr"/>
+          <a:lstStyle/>
+          <a:p>
+            <a:pPr algn="ctr"/>
+            <a:r>
+              <a:rPr lang="ko-KR" altLang="en-US" sz="800" b="1" dirty="0" smtClean="0">
+                <a:solidFill>
+                  <a:schemeClr val="bg1"/>
+                </a:solidFill>
+              </a:rPr>
+              <a:t>비밀번</a:t>
+            </a:r>
+            <a:r>
+              <a:rPr lang="ko-KR" altLang="en-US" sz="800" b="1" dirty="0">
+                <a:solidFill>
+                  <a:schemeClr val="bg1"/>
+                </a:solidFill>
+              </a:rPr>
+              <a:t>호</a:t>
+            </a:r>
+          </a:p>
+        </p:txBody>
+      </p:sp>
+      <p:sp>
+        <p:nvSpPr>
+          <p:cNvPr id="118" name="타원 117"/>
+          <p:cNvSpPr/>
+          <p:nvPr/>
+        </p:nvSpPr>
+        <p:spPr>
+          <a:xfrm>
+            <a:off x="326439" y="1561690"/>
+            <a:ext cx="797780" cy="274452"/>
+          </a:xfrm>
+          <a:prstGeom prst="ellipse">
+            <a:avLst/>
+          </a:prstGeom>
+        </p:spPr>
+        <p:style>
+          <a:lnRef idx="2">
+            <a:schemeClr val="accent1">
+              <a:shade val="50000"/>
+            </a:schemeClr>
+          </a:lnRef>
+          <a:fillRef idx="1">
+            <a:schemeClr val="accent1"/>
+          </a:fillRef>
+          <a:effectRef idx="0">
+            <a:schemeClr val="accent1"/>
+          </a:effectRef>
+          <a:fontRef idx="minor">
+            <a:schemeClr val="lt1"/>
+          </a:fontRef>
+        </p:style>
+        <p:txBody>
+          <a:bodyPr rtlCol="0" anchor="ctr"/>
+          <a:lstStyle/>
+          <a:p>
+            <a:pPr algn="ctr"/>
+            <a:r>
+              <a:rPr lang="ko-KR" altLang="en-US" sz="800" b="1" dirty="0" smtClean="0">
+                <a:solidFill>
+                  <a:schemeClr val="bg1"/>
+                </a:solidFill>
+              </a:rPr>
+              <a:t>닉네임</a:t>
+            </a:r>
+            <a:endParaRPr lang="ko-KR" altLang="en-US" sz="800" b="1" dirty="0">
+              <a:solidFill>
+                <a:schemeClr val="bg1"/>
+              </a:solidFill>
+            </a:endParaRPr>
+          </a:p>
+        </p:txBody>
+      </p:sp>
+      <p:sp>
+        <p:nvSpPr>
+          <p:cNvPr id="121" name="타원 120"/>
+          <p:cNvSpPr/>
+          <p:nvPr/>
+        </p:nvSpPr>
+        <p:spPr>
+          <a:xfrm>
+            <a:off x="3521103" y="653556"/>
+            <a:ext cx="797781" cy="329469"/>
+          </a:xfrm>
+          <a:prstGeom prst="ellipse">
+            <a:avLst/>
+          </a:prstGeom>
+          <a:solidFill>
+            <a:schemeClr val="accent1"/>
+          </a:solidFill>
+        </p:spPr>
+        <p:style>
+          <a:lnRef idx="2">
+            <a:schemeClr val="accent1">
+              <a:shade val="50000"/>
+            </a:schemeClr>
+          </a:lnRef>
+          <a:fillRef idx="1">
+            <a:schemeClr val="accent1"/>
+          </a:fillRef>
+          <a:effectRef idx="0">
+            <a:schemeClr val="accent1"/>
+          </a:effectRef>
+          <a:fontRef idx="minor">
+            <a:schemeClr val="lt1"/>
+          </a:fontRef>
+        </p:style>
+        <p:txBody>
+          <a:bodyPr rtlCol="0" anchor="ctr"/>
+          <a:lstStyle/>
+          <a:p>
+            <a:pPr algn="ctr"/>
+            <a:r>
+              <a:rPr lang="ko-KR" altLang="en-US" sz="800" b="1" dirty="0" smtClean="0">
+                <a:solidFill>
+                  <a:schemeClr val="bg1"/>
+                </a:solidFill>
+              </a:rPr>
+              <a:t>사용 횟수</a:t>
+            </a:r>
+            <a:endParaRPr lang="en-US" altLang="ko-KR" sz="800" b="1" dirty="0" smtClean="0">
+              <a:solidFill>
+                <a:schemeClr val="bg1"/>
+              </a:solidFill>
+            </a:endParaRPr>
+          </a:p>
+        </p:txBody>
+      </p:sp>
+      <p:sp>
+        <p:nvSpPr>
+          <p:cNvPr id="123" name="타원 122"/>
+          <p:cNvSpPr/>
+          <p:nvPr/>
+        </p:nvSpPr>
+        <p:spPr>
+          <a:xfrm>
+            <a:off x="2555776" y="653555"/>
+            <a:ext cx="797781" cy="329469"/>
+          </a:xfrm>
+          <a:prstGeom prst="ellipse">
+            <a:avLst/>
+          </a:prstGeom>
+          <a:solidFill>
+            <a:schemeClr val="accent1"/>
+          </a:solidFill>
+        </p:spPr>
+        <p:style>
+          <a:lnRef idx="2">
+            <a:schemeClr val="accent1">
+              <a:shade val="50000"/>
+            </a:schemeClr>
+          </a:lnRef>
+          <a:fillRef idx="1">
+            <a:schemeClr val="accent1"/>
+          </a:fillRef>
+          <a:effectRef idx="0">
+            <a:schemeClr val="accent1"/>
+          </a:effectRef>
+          <a:fontRef idx="minor">
+            <a:schemeClr val="lt1"/>
+          </a:fontRef>
+        </p:style>
+        <p:txBody>
+          <a:bodyPr rtlCol="0" anchor="ctr"/>
+          <a:lstStyle/>
+          <a:p>
+            <a:pPr algn="ctr"/>
+            <a:r>
+              <a:rPr lang="ko-KR" altLang="en-US" sz="800" b="1" dirty="0" smtClean="0">
+                <a:solidFill>
+                  <a:schemeClr val="bg1"/>
+                </a:solidFill>
+              </a:rPr>
+              <a:t>결</a:t>
+            </a:r>
+            <a:r>
+              <a:rPr lang="ko-KR" altLang="en-US" sz="800" b="1" dirty="0">
+                <a:solidFill>
+                  <a:schemeClr val="bg1"/>
+                </a:solidFill>
+              </a:rPr>
+              <a:t>제</a:t>
+            </a:r>
+            <a:r>
+              <a:rPr lang="ko-KR" altLang="en-US" sz="800" b="1" dirty="0" smtClean="0">
+                <a:solidFill>
+                  <a:schemeClr val="bg1"/>
+                </a:solidFill>
+              </a:rPr>
+              <a:t> 횟수</a:t>
+            </a:r>
+            <a:endParaRPr lang="en-US" altLang="ko-KR" sz="800" b="1" dirty="0" smtClean="0">
+              <a:solidFill>
+                <a:schemeClr val="bg1"/>
+              </a:solidFill>
+            </a:endParaRPr>
+          </a:p>
+        </p:txBody>
+      </p:sp>
+      <p:sp>
+        <p:nvSpPr>
+          <p:cNvPr id="126" name="타원 125"/>
+          <p:cNvSpPr/>
+          <p:nvPr/>
+        </p:nvSpPr>
+        <p:spPr>
+          <a:xfrm>
+            <a:off x="1619671" y="653555"/>
+            <a:ext cx="797781" cy="329469"/>
+          </a:xfrm>
+          <a:prstGeom prst="ellipse">
+            <a:avLst/>
+          </a:prstGeom>
+          <a:solidFill>
+            <a:schemeClr val="accent1"/>
+          </a:solidFill>
+        </p:spPr>
+        <p:style>
+          <a:lnRef idx="2">
+            <a:schemeClr val="accent1">
+              <a:shade val="50000"/>
+            </a:schemeClr>
+          </a:lnRef>
+          <a:fillRef idx="1">
+            <a:schemeClr val="accent1"/>
+          </a:fillRef>
+          <a:effectRef idx="0">
+            <a:schemeClr val="accent1"/>
+          </a:effectRef>
+          <a:fontRef idx="minor">
+            <a:schemeClr val="lt1"/>
+          </a:fontRef>
+        </p:style>
+        <p:txBody>
+          <a:bodyPr rtlCol="0" anchor="ctr"/>
+          <a:lstStyle/>
+          <a:p>
+            <a:pPr algn="ctr"/>
+            <a:r>
+              <a:rPr lang="en-US" altLang="ko-KR" sz="800" b="1" dirty="0" smtClean="0">
+                <a:solidFill>
+                  <a:schemeClr val="bg1"/>
+                </a:solidFill>
+              </a:rPr>
+              <a:t>Pt </a:t>
+            </a:r>
+            <a:r>
+              <a:rPr lang="ko-KR" altLang="en-US" sz="800" b="1" dirty="0" smtClean="0">
+                <a:solidFill>
+                  <a:schemeClr val="bg1"/>
+                </a:solidFill>
+              </a:rPr>
+              <a:t>내</a:t>
+            </a:r>
+            <a:r>
+              <a:rPr lang="ko-KR" altLang="en-US" sz="800" b="1" dirty="0">
+                <a:solidFill>
+                  <a:schemeClr val="bg1"/>
+                </a:solidFill>
+              </a:rPr>
+              <a:t>용</a:t>
+            </a:r>
+            <a:endParaRPr lang="en-US" altLang="ko-KR" sz="800" b="1" dirty="0" smtClean="0">
+              <a:solidFill>
+                <a:schemeClr val="bg1"/>
+              </a:solidFill>
+            </a:endParaRPr>
+          </a:p>
+        </p:txBody>
+      </p:sp>
+      <p:sp>
+        <p:nvSpPr>
+          <p:cNvPr id="127" name="타원 126"/>
+          <p:cNvSpPr/>
+          <p:nvPr/>
+        </p:nvSpPr>
+        <p:spPr>
+          <a:xfrm>
+            <a:off x="4433534" y="257330"/>
+            <a:ext cx="797781" cy="329469"/>
+          </a:xfrm>
+          <a:prstGeom prst="ellipse">
+            <a:avLst/>
+          </a:prstGeom>
+          <a:solidFill>
+            <a:schemeClr val="accent1"/>
+          </a:solidFill>
+        </p:spPr>
+        <p:style>
+          <a:lnRef idx="2">
+            <a:schemeClr val="accent1">
+              <a:shade val="50000"/>
+            </a:schemeClr>
+          </a:lnRef>
+          <a:fillRef idx="1">
+            <a:schemeClr val="accent1"/>
+          </a:fillRef>
+          <a:effectRef idx="0">
+            <a:schemeClr val="accent1"/>
+          </a:effectRef>
+          <a:fontRef idx="minor">
+            <a:schemeClr val="lt1"/>
+          </a:fontRef>
+        </p:style>
+        <p:txBody>
+          <a:bodyPr rtlCol="0" anchor="ctr"/>
+          <a:lstStyle/>
+          <a:p>
+            <a:pPr algn="ctr"/>
+            <a:r>
+              <a:rPr lang="en-US" altLang="ko-KR" sz="800" b="1" dirty="0" smtClean="0">
+                <a:solidFill>
+                  <a:schemeClr val="bg1"/>
+                </a:solidFill>
+              </a:rPr>
+              <a:t>Pt </a:t>
+            </a:r>
+            <a:r>
+              <a:rPr lang="ko-KR" altLang="en-US" sz="800" b="1" dirty="0" smtClean="0">
+                <a:solidFill>
+                  <a:schemeClr val="bg1"/>
+                </a:solidFill>
+              </a:rPr>
+              <a:t>일정</a:t>
+            </a:r>
+            <a:endParaRPr lang="en-US" altLang="ko-KR" sz="800" b="1" dirty="0" smtClean="0">
+              <a:solidFill>
+                <a:schemeClr val="bg1"/>
+              </a:solidFill>
+            </a:endParaRPr>
           </a:p>
         </p:txBody>
       </p:sp>
       <p:cxnSp>
         <p:nvCxnSpPr>
-          <p:cNvPr id="149" name="직선 연결선 148"/>
+          <p:cNvPr id="103" name="직선 연결선 102"/>
+          <p:cNvCxnSpPr>
+            <a:endCxn id="42" idx="3"/>
+          </p:cNvCxnSpPr>
+          <p:nvPr/>
+        </p:nvCxnSpPr>
+        <p:spPr>
+          <a:xfrm flipV="1">
+            <a:off x="3131840" y="542220"/>
+            <a:ext cx="506095" cy="681520"/>
+          </a:xfrm>
+          <a:prstGeom prst="line">
+            <a:avLst/>
+          </a:prstGeom>
+        </p:spPr>
+        <p:style>
+          <a:lnRef idx="1">
+            <a:schemeClr val="accent1"/>
+          </a:lnRef>
+          <a:fillRef idx="0">
+            <a:schemeClr val="accent1"/>
+          </a:fillRef>
+          <a:effectRef idx="0">
+            <a:schemeClr val="accent1"/>
+          </a:effectRef>
+          <a:fontRef idx="minor">
+            <a:schemeClr val="tx1"/>
+          </a:fontRef>
+        </p:style>
+      </p:cxnSp>
+      <p:cxnSp>
+        <p:nvCxnSpPr>
+          <p:cNvPr id="105" name="직선 연결선 104"/>
+          <p:cNvCxnSpPr>
+            <a:stCxn id="4" idx="1"/>
+            <a:endCxn id="16" idx="6"/>
+          </p:cNvCxnSpPr>
+          <p:nvPr/>
+        </p:nvCxnSpPr>
+        <p:spPr>
+          <a:xfrm flipH="1" flipV="1">
+            <a:off x="1134661" y="488822"/>
+            <a:ext cx="196979" cy="876855"/>
+          </a:xfrm>
+          <a:prstGeom prst="line">
+            <a:avLst/>
+          </a:prstGeom>
+        </p:spPr>
+        <p:style>
+          <a:lnRef idx="1">
+            <a:schemeClr val="accent1"/>
+          </a:lnRef>
+          <a:fillRef idx="0">
+            <a:schemeClr val="accent1"/>
+          </a:fillRef>
+          <a:effectRef idx="0">
+            <a:schemeClr val="accent1"/>
+          </a:effectRef>
+          <a:fontRef idx="minor">
+            <a:schemeClr val="tx1"/>
+          </a:fontRef>
+        </p:style>
+      </p:cxnSp>
+      <p:cxnSp>
+        <p:nvCxnSpPr>
+          <p:cNvPr id="107" name="직선 연결선 106"/>
+          <p:cNvCxnSpPr>
+            <a:stCxn id="4" idx="1"/>
+            <a:endCxn id="116" idx="6"/>
+          </p:cNvCxnSpPr>
+          <p:nvPr/>
+        </p:nvCxnSpPr>
+        <p:spPr>
+          <a:xfrm flipH="1" flipV="1">
+            <a:off x="1115650" y="882321"/>
+            <a:ext cx="215990" cy="483356"/>
+          </a:xfrm>
+          <a:prstGeom prst="line">
+            <a:avLst/>
+          </a:prstGeom>
+        </p:spPr>
+        <p:style>
+          <a:lnRef idx="1">
+            <a:schemeClr val="accent1"/>
+          </a:lnRef>
+          <a:fillRef idx="0">
+            <a:schemeClr val="accent1"/>
+          </a:fillRef>
+          <a:effectRef idx="0">
+            <a:schemeClr val="accent1"/>
+          </a:effectRef>
+          <a:fontRef idx="minor">
+            <a:schemeClr val="tx1"/>
+          </a:fontRef>
+        </p:style>
+      </p:cxnSp>
+      <p:cxnSp>
+        <p:nvCxnSpPr>
+          <p:cNvPr id="109" name="직선 연결선 108"/>
+          <p:cNvCxnSpPr>
+            <a:stCxn id="4" idx="1"/>
+            <a:endCxn id="17" idx="6"/>
+          </p:cNvCxnSpPr>
+          <p:nvPr/>
+        </p:nvCxnSpPr>
+        <p:spPr>
+          <a:xfrm flipH="1" flipV="1">
+            <a:off x="1113877" y="1298473"/>
+            <a:ext cx="217763" cy="67204"/>
+          </a:xfrm>
+          <a:prstGeom prst="line">
+            <a:avLst/>
+          </a:prstGeom>
+        </p:spPr>
+        <p:style>
+          <a:lnRef idx="1">
+            <a:schemeClr val="accent1"/>
+          </a:lnRef>
+          <a:fillRef idx="0">
+            <a:schemeClr val="accent1"/>
+          </a:fillRef>
+          <a:effectRef idx="0">
+            <a:schemeClr val="accent1"/>
+          </a:effectRef>
+          <a:fontRef idx="minor">
+            <a:schemeClr val="tx1"/>
+          </a:fontRef>
+        </p:style>
+      </p:cxnSp>
+      <p:cxnSp>
+        <p:nvCxnSpPr>
+          <p:cNvPr id="129" name="직선 연결선 128"/>
+          <p:cNvCxnSpPr>
+            <a:stCxn id="4" idx="1"/>
+            <a:endCxn id="118" idx="5"/>
+          </p:cNvCxnSpPr>
+          <p:nvPr/>
+        </p:nvCxnSpPr>
+        <p:spPr>
+          <a:xfrm flipH="1">
+            <a:off x="1007387" y="1365677"/>
+            <a:ext cx="324253" cy="430272"/>
+          </a:xfrm>
+          <a:prstGeom prst="line">
+            <a:avLst/>
+          </a:prstGeom>
+        </p:spPr>
+        <p:style>
+          <a:lnRef idx="1">
+            <a:schemeClr val="accent1"/>
+          </a:lnRef>
+          <a:fillRef idx="0">
+            <a:schemeClr val="accent1"/>
+          </a:fillRef>
+          <a:effectRef idx="0">
+            <a:schemeClr val="accent1"/>
+          </a:effectRef>
+          <a:fontRef idx="minor">
+            <a:schemeClr val="tx1"/>
+          </a:fontRef>
+        </p:style>
+      </p:cxnSp>
+      <p:cxnSp>
+        <p:nvCxnSpPr>
+          <p:cNvPr id="131" name="직선 연결선 130"/>
+          <p:cNvCxnSpPr>
+            <a:stCxn id="4" idx="1"/>
+            <a:endCxn id="87" idx="6"/>
+          </p:cNvCxnSpPr>
+          <p:nvPr/>
+        </p:nvCxnSpPr>
+        <p:spPr>
+          <a:xfrm flipH="1">
+            <a:off x="1113876" y="1365677"/>
+            <a:ext cx="217764" cy="794692"/>
+          </a:xfrm>
+          <a:prstGeom prst="line">
+            <a:avLst/>
+          </a:prstGeom>
+        </p:spPr>
+        <p:style>
+          <a:lnRef idx="1">
+            <a:schemeClr val="accent1"/>
+          </a:lnRef>
+          <a:fillRef idx="0">
+            <a:schemeClr val="accent1"/>
+          </a:fillRef>
+          <a:effectRef idx="0">
+            <a:schemeClr val="accent1"/>
+          </a:effectRef>
+          <a:fontRef idx="minor">
+            <a:schemeClr val="tx1"/>
+          </a:fontRef>
+        </p:style>
+      </p:cxnSp>
+      <p:cxnSp>
+        <p:nvCxnSpPr>
+          <p:cNvPr id="133" name="직선 연결선 132"/>
+          <p:cNvCxnSpPr>
+            <a:stCxn id="4" idx="1"/>
+            <a:endCxn id="114" idx="6"/>
+          </p:cNvCxnSpPr>
+          <p:nvPr/>
+        </p:nvCxnSpPr>
+        <p:spPr>
+          <a:xfrm flipH="1">
+            <a:off x="1113875" y="1365677"/>
+            <a:ext cx="217765" cy="1200986"/>
+          </a:xfrm>
+          <a:prstGeom prst="line">
+            <a:avLst/>
+          </a:prstGeom>
+        </p:spPr>
+        <p:style>
+          <a:lnRef idx="1">
+            <a:schemeClr val="accent1"/>
+          </a:lnRef>
+          <a:fillRef idx="0">
+            <a:schemeClr val="accent1"/>
+          </a:fillRef>
+          <a:effectRef idx="0">
+            <a:schemeClr val="accent1"/>
+          </a:effectRef>
+          <a:fontRef idx="minor">
+            <a:schemeClr val="tx1"/>
+          </a:fontRef>
+        </p:style>
+      </p:cxnSp>
+      <p:cxnSp>
+        <p:nvCxnSpPr>
+          <p:cNvPr id="135" name="직선 연결선 134"/>
+          <p:cNvCxnSpPr>
+            <a:stCxn id="4" idx="1"/>
+            <a:endCxn id="18" idx="6"/>
+          </p:cNvCxnSpPr>
+          <p:nvPr/>
+        </p:nvCxnSpPr>
+        <p:spPr>
+          <a:xfrm flipH="1">
+            <a:off x="1109449" y="1365677"/>
+            <a:ext cx="222191" cy="1599700"/>
+          </a:xfrm>
+          <a:prstGeom prst="line">
+            <a:avLst/>
+          </a:prstGeom>
+        </p:spPr>
+        <p:style>
+          <a:lnRef idx="1">
+            <a:schemeClr val="accent1"/>
+          </a:lnRef>
+          <a:fillRef idx="0">
+            <a:schemeClr val="accent1"/>
+          </a:fillRef>
+          <a:effectRef idx="0">
+            <a:schemeClr val="accent1"/>
+          </a:effectRef>
+          <a:fontRef idx="minor">
+            <a:schemeClr val="tx1"/>
+          </a:fontRef>
+        </p:style>
+      </p:cxnSp>
+      <p:cxnSp>
+        <p:nvCxnSpPr>
+          <p:cNvPr id="137" name="직선 연결선 136"/>
+          <p:cNvCxnSpPr>
+            <a:endCxn id="10" idx="2"/>
+          </p:cNvCxnSpPr>
+          <p:nvPr/>
+        </p:nvCxnSpPr>
+        <p:spPr>
+          <a:xfrm flipV="1">
+            <a:off x="4432166" y="983307"/>
+            <a:ext cx="401349" cy="343398"/>
+          </a:xfrm>
+          <a:prstGeom prst="line">
+            <a:avLst/>
+          </a:prstGeom>
+        </p:spPr>
+        <p:style>
+          <a:lnRef idx="1">
+            <a:schemeClr val="accent1"/>
+          </a:lnRef>
+          <a:fillRef idx="0">
+            <a:schemeClr val="accent1"/>
+          </a:fillRef>
+          <a:effectRef idx="0">
+            <a:schemeClr val="accent1"/>
+          </a:effectRef>
+          <a:fontRef idx="minor">
+            <a:schemeClr val="tx1"/>
+          </a:fontRef>
+        </p:style>
+      </p:cxnSp>
+      <p:cxnSp>
+        <p:nvCxnSpPr>
+          <p:cNvPr id="141" name="직선 연결선 140"/>
+          <p:cNvCxnSpPr/>
+          <p:nvPr/>
+        </p:nvCxnSpPr>
+        <p:spPr>
+          <a:xfrm>
+            <a:off x="4318884" y="1365677"/>
+            <a:ext cx="588332" cy="22797"/>
+          </a:xfrm>
+          <a:prstGeom prst="line">
+            <a:avLst/>
+          </a:prstGeom>
+        </p:spPr>
+        <p:style>
+          <a:lnRef idx="1">
+            <a:schemeClr val="accent1"/>
+          </a:lnRef>
+          <a:fillRef idx="0">
+            <a:schemeClr val="accent1"/>
+          </a:fillRef>
+          <a:effectRef idx="0">
+            <a:schemeClr val="accent1"/>
+          </a:effectRef>
+          <a:fontRef idx="minor">
+            <a:schemeClr val="tx1"/>
+          </a:fontRef>
+        </p:style>
+      </p:cxnSp>
+      <p:cxnSp>
+        <p:nvCxnSpPr>
+          <p:cNvPr id="148" name="직선 연결선 147"/>
+          <p:cNvCxnSpPr>
+            <a:stCxn id="5" idx="3"/>
+          </p:cNvCxnSpPr>
+          <p:nvPr/>
+        </p:nvCxnSpPr>
+        <p:spPr>
+          <a:xfrm>
+            <a:off x="4471748" y="1331395"/>
+            <a:ext cx="435468" cy="470040"/>
+          </a:xfrm>
+          <a:prstGeom prst="line">
+            <a:avLst/>
+          </a:prstGeom>
+        </p:spPr>
+        <p:style>
+          <a:lnRef idx="1">
+            <a:schemeClr val="accent1"/>
+          </a:lnRef>
+          <a:fillRef idx="0">
+            <a:schemeClr val="accent1"/>
+          </a:fillRef>
+          <a:effectRef idx="0">
+            <a:schemeClr val="accent1"/>
+          </a:effectRef>
+          <a:fontRef idx="minor">
+            <a:schemeClr val="tx1"/>
+          </a:fontRef>
+        </p:style>
+      </p:cxnSp>
+      <p:sp>
+        <p:nvSpPr>
+          <p:cNvPr id="152" name="타원 151"/>
+          <p:cNvSpPr/>
+          <p:nvPr/>
+        </p:nvSpPr>
+        <p:spPr>
+          <a:xfrm>
+            <a:off x="6792734" y="3760137"/>
+            <a:ext cx="797781" cy="329469"/>
+          </a:xfrm>
+          <a:prstGeom prst="ellipse">
+            <a:avLst/>
+          </a:prstGeom>
+        </p:spPr>
+        <p:style>
+          <a:lnRef idx="2">
+            <a:schemeClr val="accent1">
+              <a:shade val="50000"/>
+            </a:schemeClr>
+          </a:lnRef>
+          <a:fillRef idx="1">
+            <a:schemeClr val="accent1"/>
+          </a:fillRef>
+          <a:effectRef idx="0">
+            <a:schemeClr val="accent1"/>
+          </a:effectRef>
+          <a:fontRef idx="minor">
+            <a:schemeClr val="lt1"/>
+          </a:fontRef>
+        </p:style>
+        <p:txBody>
+          <a:bodyPr rtlCol="0" anchor="ctr"/>
+          <a:lstStyle/>
+          <a:p>
+            <a:pPr algn="ctr"/>
+            <a:r>
+              <a:rPr lang="ko-KR" altLang="en-US" sz="800" b="1" dirty="0" smtClean="0">
+                <a:solidFill>
+                  <a:schemeClr val="bg1"/>
+                </a:solidFill>
+              </a:rPr>
+              <a:t>작성</a:t>
+            </a:r>
+            <a:r>
+              <a:rPr lang="ko-KR" altLang="en-US" sz="800" b="1" dirty="0">
+                <a:solidFill>
+                  <a:schemeClr val="bg1"/>
+                </a:solidFill>
+              </a:rPr>
+              <a:t>일</a:t>
+            </a:r>
+            <a:endParaRPr lang="ko-KR" altLang="en-US" sz="800" b="1" dirty="0">
+              <a:solidFill>
+                <a:schemeClr val="bg1"/>
+              </a:solidFill>
+            </a:endParaRPr>
+          </a:p>
+        </p:txBody>
+      </p:sp>
+      <p:cxnSp>
+        <p:nvCxnSpPr>
+          <p:cNvPr id="154" name="직선 연결선 153"/>
+          <p:cNvCxnSpPr>
+            <a:stCxn id="6" idx="3"/>
+            <a:endCxn id="24" idx="0"/>
+          </p:cNvCxnSpPr>
+          <p:nvPr/>
+        </p:nvCxnSpPr>
+        <p:spPr>
+          <a:xfrm>
+            <a:off x="6327528" y="3575042"/>
+            <a:ext cx="1" cy="646036"/>
+          </a:xfrm>
+          <a:prstGeom prst="line">
+            <a:avLst/>
+          </a:prstGeom>
+        </p:spPr>
+        <p:style>
+          <a:lnRef idx="1">
+            <a:schemeClr val="accent1"/>
+          </a:lnRef>
+          <a:fillRef idx="0">
+            <a:schemeClr val="accent1"/>
+          </a:fillRef>
+          <a:effectRef idx="0">
+            <a:schemeClr val="accent1"/>
+          </a:effectRef>
+          <a:fontRef idx="minor">
+            <a:schemeClr val="tx1"/>
+          </a:fontRef>
+        </p:style>
+      </p:cxnSp>
+      <p:cxnSp>
+        <p:nvCxnSpPr>
+          <p:cNvPr id="156" name="직선 연결선 155"/>
+          <p:cNvCxnSpPr>
+            <a:stCxn id="139" idx="7"/>
+            <a:endCxn id="6" idx="3"/>
+          </p:cNvCxnSpPr>
+          <p:nvPr/>
+        </p:nvCxnSpPr>
+        <p:spPr>
+          <a:xfrm flipV="1">
+            <a:off x="5745491" y="3575042"/>
+            <a:ext cx="582037" cy="706857"/>
+          </a:xfrm>
+          <a:prstGeom prst="line">
+            <a:avLst/>
+          </a:prstGeom>
+        </p:spPr>
+        <p:style>
+          <a:lnRef idx="1">
+            <a:schemeClr val="accent1"/>
+          </a:lnRef>
+          <a:fillRef idx="0">
+            <a:schemeClr val="accent1"/>
+          </a:fillRef>
+          <a:effectRef idx="0">
+            <a:schemeClr val="accent1"/>
+          </a:effectRef>
+          <a:fontRef idx="minor">
+            <a:schemeClr val="tx1"/>
+          </a:fontRef>
+        </p:style>
+      </p:cxnSp>
+      <p:cxnSp>
+        <p:nvCxnSpPr>
+          <p:cNvPr id="158" name="직선 연결선 157"/>
+          <p:cNvCxnSpPr>
+            <a:stCxn id="6" idx="3"/>
+          </p:cNvCxnSpPr>
+          <p:nvPr/>
+        </p:nvCxnSpPr>
+        <p:spPr>
+          <a:xfrm>
+            <a:off x="6327528" y="3575042"/>
+            <a:ext cx="681230" cy="776488"/>
+          </a:xfrm>
+          <a:prstGeom prst="line">
+            <a:avLst/>
+          </a:prstGeom>
+        </p:spPr>
+        <p:style>
+          <a:lnRef idx="1">
+            <a:schemeClr val="accent1"/>
+          </a:lnRef>
+          <a:fillRef idx="0">
+            <a:schemeClr val="accent1"/>
+          </a:fillRef>
+          <a:effectRef idx="0">
+            <a:schemeClr val="accent1"/>
+          </a:effectRef>
+          <a:fontRef idx="minor">
+            <a:schemeClr val="tx1"/>
+          </a:fontRef>
+        </p:style>
+      </p:cxnSp>
+      <p:cxnSp>
+        <p:nvCxnSpPr>
+          <p:cNvPr id="160" name="직선 연결선 159"/>
+          <p:cNvCxnSpPr>
+            <a:stCxn id="6" idx="3"/>
+            <a:endCxn id="152" idx="3"/>
+          </p:cNvCxnSpPr>
+          <p:nvPr/>
+        </p:nvCxnSpPr>
+        <p:spPr>
+          <a:xfrm>
+            <a:off x="6327528" y="3575042"/>
+            <a:ext cx="582038" cy="466314"/>
+          </a:xfrm>
+          <a:prstGeom prst="line">
+            <a:avLst/>
+          </a:prstGeom>
+        </p:spPr>
+        <p:style>
+          <a:lnRef idx="1">
+            <a:schemeClr val="accent1"/>
+          </a:lnRef>
+          <a:fillRef idx="0">
+            <a:schemeClr val="accent1"/>
+          </a:fillRef>
+          <a:effectRef idx="0">
+            <a:schemeClr val="accent1"/>
+          </a:effectRef>
+          <a:fontRef idx="minor">
+            <a:schemeClr val="tx1"/>
+          </a:fontRef>
+        </p:style>
+      </p:cxnSp>
+      <p:cxnSp>
+        <p:nvCxnSpPr>
+          <p:cNvPr id="162" name="직선 연결선 161"/>
+          <p:cNvCxnSpPr>
+            <a:stCxn id="6" idx="3"/>
+          </p:cNvCxnSpPr>
+          <p:nvPr/>
+        </p:nvCxnSpPr>
+        <p:spPr>
+          <a:xfrm flipV="1">
+            <a:off x="6327528" y="3519421"/>
+            <a:ext cx="681230" cy="55621"/>
+          </a:xfrm>
+          <a:prstGeom prst="line">
+            <a:avLst/>
+          </a:prstGeom>
+        </p:spPr>
+        <p:style>
+          <a:lnRef idx="1">
+            <a:schemeClr val="accent1"/>
+          </a:lnRef>
+          <a:fillRef idx="0">
+            <a:schemeClr val="accent1"/>
+          </a:fillRef>
+          <a:effectRef idx="0">
+            <a:schemeClr val="accent1"/>
+          </a:effectRef>
+          <a:fontRef idx="minor">
+            <a:schemeClr val="tx1"/>
+          </a:fontRef>
+        </p:style>
+      </p:cxnSp>
+      <p:cxnSp>
+        <p:nvCxnSpPr>
+          <p:cNvPr id="164" name="직선 연결선 163"/>
+          <p:cNvCxnSpPr>
+            <a:stCxn id="6" idx="3"/>
+          </p:cNvCxnSpPr>
+          <p:nvPr/>
+        </p:nvCxnSpPr>
+        <p:spPr>
+          <a:xfrm flipV="1">
+            <a:off x="6327528" y="3078617"/>
+            <a:ext cx="582038" cy="496425"/>
+          </a:xfrm>
+          <a:prstGeom prst="line">
+            <a:avLst/>
+          </a:prstGeom>
+        </p:spPr>
+        <p:style>
+          <a:lnRef idx="1">
+            <a:schemeClr val="accent1"/>
+          </a:lnRef>
+          <a:fillRef idx="0">
+            <a:schemeClr val="accent1"/>
+          </a:fillRef>
+          <a:effectRef idx="0">
+            <a:schemeClr val="accent1"/>
+          </a:effectRef>
+          <a:fontRef idx="minor">
+            <a:schemeClr val="tx1"/>
+          </a:fontRef>
+        </p:style>
+      </p:cxnSp>
+      <p:cxnSp>
+        <p:nvCxnSpPr>
+          <p:cNvPr id="169" name="직선 연결선 168"/>
+          <p:cNvCxnSpPr>
+            <a:stCxn id="110" idx="2"/>
+          </p:cNvCxnSpPr>
+          <p:nvPr/>
+        </p:nvCxnSpPr>
+        <p:spPr>
+          <a:xfrm flipH="1">
+            <a:off x="1008721" y="3633763"/>
+            <a:ext cx="696852" cy="203122"/>
+          </a:xfrm>
+          <a:prstGeom prst="line">
+            <a:avLst/>
+          </a:prstGeom>
+        </p:spPr>
+        <p:style>
+          <a:lnRef idx="1">
+            <a:schemeClr val="accent1"/>
+          </a:lnRef>
+          <a:fillRef idx="0">
+            <a:schemeClr val="accent1"/>
+          </a:fillRef>
+          <a:effectRef idx="0">
+            <a:schemeClr val="accent1"/>
+          </a:effectRef>
+          <a:fontRef idx="minor">
+            <a:schemeClr val="tx1"/>
+          </a:fontRef>
+        </p:style>
+      </p:cxnSp>
+      <p:cxnSp>
+        <p:nvCxnSpPr>
+          <p:cNvPr id="171" name="직선 연결선 170"/>
+          <p:cNvCxnSpPr/>
+          <p:nvPr/>
+        </p:nvCxnSpPr>
+        <p:spPr>
+          <a:xfrm flipH="1" flipV="1">
+            <a:off x="1705572" y="3633763"/>
+            <a:ext cx="1" cy="149531"/>
+          </a:xfrm>
+          <a:prstGeom prst="line">
+            <a:avLst/>
+          </a:prstGeom>
+        </p:spPr>
+        <p:style>
+          <a:lnRef idx="1">
+            <a:schemeClr val="accent1"/>
+          </a:lnRef>
+          <a:fillRef idx="0">
+            <a:schemeClr val="accent1"/>
+          </a:fillRef>
+          <a:effectRef idx="0">
+            <a:schemeClr val="accent1"/>
+          </a:effectRef>
+          <a:fontRef idx="minor">
+            <a:schemeClr val="tx1"/>
+          </a:fontRef>
+        </p:style>
+      </p:cxnSp>
+      <p:cxnSp>
+        <p:nvCxnSpPr>
+          <p:cNvPr id="173" name="직선 연결선 172"/>
+          <p:cNvCxnSpPr>
+            <a:stCxn id="110" idx="2"/>
+            <a:endCxn id="113" idx="0"/>
+          </p:cNvCxnSpPr>
+          <p:nvPr/>
+        </p:nvCxnSpPr>
+        <p:spPr>
+          <a:xfrm>
+            <a:off x="1705573" y="3633763"/>
+            <a:ext cx="857683" cy="149531"/>
+          </a:xfrm>
+          <a:prstGeom prst="line">
+            <a:avLst/>
+          </a:prstGeom>
+        </p:spPr>
+        <p:style>
+          <a:lnRef idx="1">
+            <a:schemeClr val="accent1"/>
+          </a:lnRef>
+          <a:fillRef idx="0">
+            <a:schemeClr val="accent1"/>
+          </a:fillRef>
+          <a:effectRef idx="0">
+            <a:schemeClr val="accent1"/>
+          </a:effectRef>
+          <a:fontRef idx="minor">
+            <a:schemeClr val="tx1"/>
+          </a:fontRef>
+        </p:style>
+      </p:cxnSp>
+      <p:cxnSp>
+        <p:nvCxnSpPr>
+          <p:cNvPr id="175" name="직선 연결선 174"/>
           <p:cNvCxnSpPr>
             <a:stCxn id="110" idx="2"/>
             <a:endCxn id="147" idx="0"/>
@@ -4914,8 +5474,8 @@
         </p:nvCxnSpPr>
         <p:spPr>
           <a:xfrm>
-            <a:off x="3173395" y="5474268"/>
-            <a:ext cx="507581" cy="285617"/>
+            <a:off x="1705573" y="3633763"/>
+            <a:ext cx="1844071" cy="149531"/>
           </a:xfrm>
           <a:prstGeom prst="line">
             <a:avLst/>
@@ -4936,6 +5496,1126 @@
           </a:fontRef>
         </p:style>
       </p:cxnSp>
+      <p:sp>
+        <p:nvSpPr>
+          <p:cNvPr id="177" name="직사각형 176"/>
+          <p:cNvSpPr/>
+          <p:nvPr/>
+        </p:nvSpPr>
+        <p:spPr>
+          <a:xfrm>
+            <a:off x="2748068" y="4831285"/>
+            <a:ext cx="855328" cy="296644"/>
+          </a:xfrm>
+          <a:prstGeom prst="rect">
+            <a:avLst/>
+          </a:prstGeom>
+        </p:spPr>
+        <p:style>
+          <a:lnRef idx="2">
+            <a:schemeClr val="accent1">
+              <a:shade val="50000"/>
+            </a:schemeClr>
+          </a:lnRef>
+          <a:fillRef idx="1">
+            <a:schemeClr val="accent1"/>
+          </a:fillRef>
+          <a:effectRef idx="0">
+            <a:schemeClr val="accent1"/>
+          </a:effectRef>
+          <a:fontRef idx="minor">
+            <a:schemeClr val="lt1"/>
+          </a:fontRef>
+        </p:style>
+        <p:txBody>
+          <a:bodyPr rtlCol="0" anchor="ctr"/>
+          <a:lstStyle/>
+          <a:p>
+            <a:pPr algn="ctr"/>
+            <a:r>
+              <a:rPr lang="ko-KR" altLang="en-US" sz="800" b="1" dirty="0" smtClean="0">
+                <a:solidFill>
+                  <a:schemeClr val="bg1"/>
+                </a:solidFill>
+              </a:rPr>
+              <a:t>업로</a:t>
+            </a:r>
+            <a:r>
+              <a:rPr lang="ko-KR" altLang="en-US" sz="800" b="1" dirty="0">
+                <a:solidFill>
+                  <a:schemeClr val="bg1"/>
+                </a:solidFill>
+              </a:rPr>
+              <a:t>드</a:t>
+            </a:r>
+            <a:endParaRPr lang="ko-KR" altLang="en-US" sz="800" b="1" dirty="0">
+              <a:solidFill>
+                <a:schemeClr val="bg1"/>
+              </a:solidFill>
+            </a:endParaRPr>
+          </a:p>
+        </p:txBody>
+      </p:sp>
+      <p:sp>
+        <p:nvSpPr>
+          <p:cNvPr id="178" name="타원 177"/>
+          <p:cNvSpPr/>
+          <p:nvPr/>
+        </p:nvSpPr>
+        <p:spPr>
+          <a:xfrm>
+            <a:off x="2742565" y="5277460"/>
+            <a:ext cx="860037" cy="329468"/>
+          </a:xfrm>
+          <a:prstGeom prst="ellipse">
+            <a:avLst/>
+          </a:prstGeom>
+          <a:solidFill>
+            <a:schemeClr val="accent3">
+              <a:lumMod val="60000"/>
+              <a:lumOff val="40000"/>
+            </a:schemeClr>
+          </a:solidFill>
+        </p:spPr>
+        <p:style>
+          <a:lnRef idx="2">
+            <a:schemeClr val="accent1">
+              <a:shade val="50000"/>
+            </a:schemeClr>
+          </a:lnRef>
+          <a:fillRef idx="1">
+            <a:schemeClr val="accent1"/>
+          </a:fillRef>
+          <a:effectRef idx="0">
+            <a:schemeClr val="accent1"/>
+          </a:effectRef>
+          <a:fontRef idx="minor">
+            <a:schemeClr val="lt1"/>
+          </a:fontRef>
+        </p:style>
+        <p:txBody>
+          <a:bodyPr rtlCol="0" anchor="ctr"/>
+          <a:lstStyle/>
+          <a:p>
+            <a:pPr algn="ctr"/>
+            <a:r>
+              <a:rPr lang="ko-KR" altLang="en-US" sz="800" b="1" dirty="0" smtClean="0">
+                <a:solidFill>
+                  <a:schemeClr val="bg1"/>
+                </a:solidFill>
+              </a:rPr>
+              <a:t>게시판번호</a:t>
+            </a:r>
+            <a:endParaRPr lang="ko-KR" altLang="en-US" sz="800" b="1" dirty="0">
+              <a:solidFill>
+                <a:schemeClr val="bg1"/>
+              </a:solidFill>
+            </a:endParaRPr>
+          </a:p>
+        </p:txBody>
+      </p:sp>
+      <p:sp>
+        <p:nvSpPr>
+          <p:cNvPr id="179" name="타원 178"/>
+          <p:cNvSpPr/>
+          <p:nvPr/>
+        </p:nvSpPr>
+        <p:spPr>
+          <a:xfrm>
+            <a:off x="3648739" y="5277460"/>
+            <a:ext cx="860037" cy="329468"/>
+          </a:xfrm>
+          <a:prstGeom prst="ellipse">
+            <a:avLst/>
+          </a:prstGeom>
+        </p:spPr>
+        <p:style>
+          <a:lnRef idx="2">
+            <a:schemeClr val="accent1">
+              <a:shade val="50000"/>
+            </a:schemeClr>
+          </a:lnRef>
+          <a:fillRef idx="1">
+            <a:schemeClr val="accent1"/>
+          </a:fillRef>
+          <a:effectRef idx="0">
+            <a:schemeClr val="accent1"/>
+          </a:effectRef>
+          <a:fontRef idx="minor">
+            <a:schemeClr val="lt1"/>
+          </a:fontRef>
+        </p:style>
+        <p:txBody>
+          <a:bodyPr rtlCol="0" anchor="ctr"/>
+          <a:lstStyle/>
+          <a:p>
+            <a:pPr algn="ctr"/>
+            <a:r>
+              <a:rPr lang="ko-KR" altLang="en-US" sz="800" b="1" dirty="0" smtClean="0">
+                <a:solidFill>
+                  <a:schemeClr val="bg1"/>
+                </a:solidFill>
+              </a:rPr>
+              <a:t>파일이름</a:t>
+            </a:r>
+            <a:endParaRPr lang="ko-KR" altLang="en-US" sz="800" b="1" dirty="0">
+              <a:solidFill>
+                <a:schemeClr val="bg1"/>
+              </a:solidFill>
+            </a:endParaRPr>
+          </a:p>
+        </p:txBody>
+      </p:sp>
+      <p:sp>
+        <p:nvSpPr>
+          <p:cNvPr id="180" name="타원 179"/>
+          <p:cNvSpPr/>
+          <p:nvPr/>
+        </p:nvSpPr>
+        <p:spPr>
+          <a:xfrm>
+            <a:off x="4589784" y="5256507"/>
+            <a:ext cx="860037" cy="329468"/>
+          </a:xfrm>
+          <a:prstGeom prst="ellipse">
+            <a:avLst/>
+          </a:prstGeom>
+        </p:spPr>
+        <p:style>
+          <a:lnRef idx="2">
+            <a:schemeClr val="accent1">
+              <a:shade val="50000"/>
+            </a:schemeClr>
+          </a:lnRef>
+          <a:fillRef idx="1">
+            <a:schemeClr val="accent1"/>
+          </a:fillRef>
+          <a:effectRef idx="0">
+            <a:schemeClr val="accent1"/>
+          </a:effectRef>
+          <a:fontRef idx="minor">
+            <a:schemeClr val="lt1"/>
+          </a:fontRef>
+        </p:style>
+        <p:txBody>
+          <a:bodyPr rtlCol="0" anchor="ctr"/>
+          <a:lstStyle/>
+          <a:p>
+            <a:pPr algn="ctr"/>
+            <a:r>
+              <a:rPr lang="ko-KR" altLang="en-US" sz="800" b="1" dirty="0" smtClean="0">
+                <a:solidFill>
+                  <a:schemeClr val="bg1"/>
+                </a:solidFill>
+              </a:rPr>
+              <a:t>파일경</a:t>
+            </a:r>
+            <a:r>
+              <a:rPr lang="ko-KR" altLang="en-US" sz="800" b="1" dirty="0">
+                <a:solidFill>
+                  <a:schemeClr val="bg1"/>
+                </a:solidFill>
+              </a:rPr>
+              <a:t>로</a:t>
+            </a:r>
+            <a:endParaRPr lang="ko-KR" altLang="en-US" sz="800" b="1" dirty="0">
+              <a:solidFill>
+                <a:schemeClr val="bg1"/>
+              </a:solidFill>
+            </a:endParaRPr>
+          </a:p>
+        </p:txBody>
+      </p:sp>
+      <p:cxnSp>
+        <p:nvCxnSpPr>
+          <p:cNvPr id="181" name="직선 연결선 180"/>
+          <p:cNvCxnSpPr>
+            <a:stCxn id="177" idx="2"/>
+            <a:endCxn id="187" idx="7"/>
+          </p:cNvCxnSpPr>
+          <p:nvPr/>
+        </p:nvCxnSpPr>
+        <p:spPr>
+          <a:xfrm flipH="1">
+            <a:off x="2572749" y="5127929"/>
+            <a:ext cx="602983" cy="203968"/>
+          </a:xfrm>
+          <a:prstGeom prst="line">
+            <a:avLst/>
+          </a:prstGeom>
+        </p:spPr>
+        <p:style>
+          <a:lnRef idx="1">
+            <a:schemeClr val="accent1"/>
+          </a:lnRef>
+          <a:fillRef idx="0">
+            <a:schemeClr val="accent1"/>
+          </a:fillRef>
+          <a:effectRef idx="0">
+            <a:schemeClr val="accent1"/>
+          </a:effectRef>
+          <a:fontRef idx="minor">
+            <a:schemeClr val="tx1"/>
+          </a:fontRef>
+        </p:style>
+      </p:cxnSp>
+      <p:cxnSp>
+        <p:nvCxnSpPr>
+          <p:cNvPr id="182" name="직선 연결선 181"/>
+          <p:cNvCxnSpPr/>
+          <p:nvPr/>
+        </p:nvCxnSpPr>
+        <p:spPr>
+          <a:xfrm flipH="1" flipV="1">
+            <a:off x="3175731" y="5127929"/>
+            <a:ext cx="1" cy="149531"/>
+          </a:xfrm>
+          <a:prstGeom prst="line">
+            <a:avLst/>
+          </a:prstGeom>
+        </p:spPr>
+        <p:style>
+          <a:lnRef idx="1">
+            <a:schemeClr val="accent1"/>
+          </a:lnRef>
+          <a:fillRef idx="0">
+            <a:schemeClr val="accent1"/>
+          </a:fillRef>
+          <a:effectRef idx="0">
+            <a:schemeClr val="accent1"/>
+          </a:effectRef>
+          <a:fontRef idx="minor">
+            <a:schemeClr val="tx1"/>
+          </a:fontRef>
+        </p:style>
+      </p:cxnSp>
+      <p:cxnSp>
+        <p:nvCxnSpPr>
+          <p:cNvPr id="183" name="직선 연결선 182"/>
+          <p:cNvCxnSpPr>
+            <a:stCxn id="177" idx="2"/>
+            <a:endCxn id="179" idx="0"/>
+          </p:cNvCxnSpPr>
+          <p:nvPr/>
+        </p:nvCxnSpPr>
+        <p:spPr>
+          <a:xfrm>
+            <a:off x="3175732" y="5127929"/>
+            <a:ext cx="903026" cy="149531"/>
+          </a:xfrm>
+          <a:prstGeom prst="line">
+            <a:avLst/>
+          </a:prstGeom>
+        </p:spPr>
+        <p:style>
+          <a:lnRef idx="1">
+            <a:schemeClr val="accent1"/>
+          </a:lnRef>
+          <a:fillRef idx="0">
+            <a:schemeClr val="accent1"/>
+          </a:fillRef>
+          <a:effectRef idx="0">
+            <a:schemeClr val="accent1"/>
+          </a:effectRef>
+          <a:fontRef idx="minor">
+            <a:schemeClr val="tx1"/>
+          </a:fontRef>
+        </p:style>
+      </p:cxnSp>
+      <p:cxnSp>
+        <p:nvCxnSpPr>
+          <p:cNvPr id="184" name="직선 연결선 183"/>
+          <p:cNvCxnSpPr>
+            <a:stCxn id="177" idx="2"/>
+          </p:cNvCxnSpPr>
+          <p:nvPr/>
+        </p:nvCxnSpPr>
+        <p:spPr>
+          <a:xfrm>
+            <a:off x="3175732" y="5127929"/>
+            <a:ext cx="1844071" cy="149531"/>
+          </a:xfrm>
+          <a:prstGeom prst="line">
+            <a:avLst/>
+          </a:prstGeom>
+        </p:spPr>
+        <p:style>
+          <a:lnRef idx="1">
+            <a:schemeClr val="accent1"/>
+          </a:lnRef>
+          <a:fillRef idx="0">
+            <a:schemeClr val="accent1"/>
+          </a:fillRef>
+          <a:effectRef idx="0">
+            <a:schemeClr val="accent1"/>
+          </a:effectRef>
+          <a:fontRef idx="minor">
+            <a:schemeClr val="tx1"/>
+          </a:fontRef>
+        </p:style>
+      </p:cxnSp>
+      <p:sp>
+        <p:nvSpPr>
+          <p:cNvPr id="187" name="타원 186"/>
+          <p:cNvSpPr/>
+          <p:nvPr/>
+        </p:nvSpPr>
+        <p:spPr>
+          <a:xfrm>
+            <a:off x="1838662" y="5283648"/>
+            <a:ext cx="860037" cy="329468"/>
+          </a:xfrm>
+          <a:prstGeom prst="ellipse">
+            <a:avLst/>
+          </a:prstGeom>
+          <a:solidFill>
+            <a:schemeClr val="accent2">
+              <a:lumMod val="40000"/>
+              <a:lumOff val="60000"/>
+            </a:schemeClr>
+          </a:solidFill>
+        </p:spPr>
+        <p:style>
+          <a:lnRef idx="2">
+            <a:schemeClr val="accent1">
+              <a:shade val="50000"/>
+            </a:schemeClr>
+          </a:lnRef>
+          <a:fillRef idx="1">
+            <a:schemeClr val="accent1"/>
+          </a:fillRef>
+          <a:effectRef idx="0">
+            <a:schemeClr val="accent1"/>
+          </a:effectRef>
+          <a:fontRef idx="minor">
+            <a:schemeClr val="lt1"/>
+          </a:fontRef>
+        </p:style>
+        <p:txBody>
+          <a:bodyPr rtlCol="0" anchor="ctr"/>
+          <a:lstStyle/>
+          <a:p>
+            <a:pPr algn="ctr"/>
+            <a:r>
+              <a:rPr lang="ko-KR" altLang="en-US" sz="800" b="1" dirty="0" smtClean="0">
+                <a:solidFill>
+                  <a:schemeClr val="bg1"/>
+                </a:solidFill>
+              </a:rPr>
+              <a:t>업로드번호</a:t>
+            </a:r>
+            <a:endParaRPr lang="en-US" altLang="ko-KR" sz="800" b="1" dirty="0" smtClean="0">
+              <a:solidFill>
+                <a:schemeClr val="bg1"/>
+              </a:solidFill>
+            </a:endParaRPr>
+          </a:p>
+        </p:txBody>
+      </p:sp>
+      <p:cxnSp>
+        <p:nvCxnSpPr>
+          <p:cNvPr id="192" name="직선 연결선 191"/>
+          <p:cNvCxnSpPr>
+            <a:stCxn id="4" idx="3"/>
+            <a:endCxn id="5" idx="1"/>
+          </p:cNvCxnSpPr>
+          <p:nvPr/>
+        </p:nvCxnSpPr>
+        <p:spPr>
+          <a:xfrm flipV="1">
+            <a:off x="2129421" y="1331395"/>
+            <a:ext cx="1544546" cy="34282"/>
+          </a:xfrm>
+          <a:prstGeom prst="line">
+            <a:avLst/>
+          </a:prstGeom>
+        </p:spPr>
+        <p:style>
+          <a:lnRef idx="1">
+            <a:schemeClr val="accent1"/>
+          </a:lnRef>
+          <a:fillRef idx="0">
+            <a:schemeClr val="accent1"/>
+          </a:fillRef>
+          <a:effectRef idx="0">
+            <a:schemeClr val="accent1"/>
+          </a:effectRef>
+          <a:fontRef idx="minor">
+            <a:schemeClr val="tx1"/>
+          </a:fontRef>
+        </p:style>
+      </p:cxnSp>
+      <p:sp>
+        <p:nvSpPr>
+          <p:cNvPr id="120" name="타원 119"/>
+          <p:cNvSpPr/>
+          <p:nvPr/>
+        </p:nvSpPr>
+        <p:spPr>
+          <a:xfrm>
+            <a:off x="6792734" y="4186796"/>
+            <a:ext cx="797781" cy="329469"/>
+          </a:xfrm>
+          <a:prstGeom prst="ellipse">
+            <a:avLst/>
+          </a:prstGeom>
+          <a:solidFill>
+            <a:schemeClr val="accent3">
+              <a:lumMod val="60000"/>
+              <a:lumOff val="40000"/>
+            </a:schemeClr>
+          </a:solidFill>
+        </p:spPr>
+        <p:style>
+          <a:lnRef idx="2">
+            <a:schemeClr val="accent1">
+              <a:shade val="50000"/>
+            </a:schemeClr>
+          </a:lnRef>
+          <a:fillRef idx="1">
+            <a:schemeClr val="accent1"/>
+          </a:fillRef>
+          <a:effectRef idx="0">
+            <a:schemeClr val="accent1"/>
+          </a:effectRef>
+          <a:fontRef idx="minor">
+            <a:schemeClr val="lt1"/>
+          </a:fontRef>
+        </p:style>
+        <p:txBody>
+          <a:bodyPr rtlCol="0" anchor="ctr"/>
+          <a:lstStyle/>
+          <a:p>
+            <a:pPr algn="ctr"/>
+            <a:r>
+              <a:rPr lang="ko-KR" altLang="en-US" sz="800" b="1" dirty="0" smtClean="0">
+                <a:solidFill>
+                  <a:schemeClr val="bg1"/>
+                </a:solidFill>
+              </a:rPr>
+              <a:t>작성</a:t>
+            </a:r>
+            <a:r>
+              <a:rPr lang="ko-KR" altLang="en-US" sz="800" b="1" dirty="0">
+                <a:solidFill>
+                  <a:schemeClr val="bg1"/>
+                </a:solidFill>
+              </a:rPr>
+              <a:t>자</a:t>
+            </a:r>
+          </a:p>
+        </p:txBody>
+      </p:sp>
+      <p:sp>
+        <p:nvSpPr>
+          <p:cNvPr id="11" name="타원 10"/>
+          <p:cNvSpPr/>
+          <p:nvPr/>
+        </p:nvSpPr>
+        <p:spPr>
+          <a:xfrm>
+            <a:off x="4816028" y="1223740"/>
+            <a:ext cx="797781" cy="329469"/>
+          </a:xfrm>
+          <a:prstGeom prst="ellipse">
+            <a:avLst/>
+          </a:prstGeom>
+          <a:solidFill>
+            <a:schemeClr val="accent3">
+              <a:lumMod val="60000"/>
+              <a:lumOff val="40000"/>
+            </a:schemeClr>
+          </a:solidFill>
+        </p:spPr>
+        <p:style>
+          <a:lnRef idx="2">
+            <a:schemeClr val="accent1">
+              <a:shade val="50000"/>
+            </a:schemeClr>
+          </a:lnRef>
+          <a:fillRef idx="1">
+            <a:schemeClr val="accent1"/>
+          </a:fillRef>
+          <a:effectRef idx="0">
+            <a:schemeClr val="accent1"/>
+          </a:effectRef>
+          <a:fontRef idx="minor">
+            <a:schemeClr val="lt1"/>
+          </a:fontRef>
+        </p:style>
+        <p:txBody>
+          <a:bodyPr rtlCol="0" anchor="ctr"/>
+          <a:lstStyle/>
+          <a:p>
+            <a:pPr algn="ctr"/>
+            <a:r>
+              <a:rPr lang="ko-KR" altLang="en-US" sz="800" b="1" dirty="0" smtClean="0">
+                <a:solidFill>
+                  <a:schemeClr val="bg1"/>
+                </a:solidFill>
+              </a:rPr>
+              <a:t>회원 </a:t>
+            </a:r>
+            <a:r>
+              <a:rPr lang="en-US" altLang="ko-KR" sz="800" b="1" dirty="0" smtClean="0">
+                <a:solidFill>
+                  <a:schemeClr val="bg1"/>
+                </a:solidFill>
+              </a:rPr>
+              <a:t>ID</a:t>
+            </a:r>
+            <a:endParaRPr lang="ko-KR" altLang="en-US" sz="800" b="1" dirty="0">
+              <a:solidFill>
+                <a:schemeClr val="bg1"/>
+              </a:solidFill>
+            </a:endParaRPr>
+          </a:p>
+        </p:txBody>
+      </p:sp>
+      <p:cxnSp>
+        <p:nvCxnSpPr>
+          <p:cNvPr id="196" name="직선 연결선 195"/>
+          <p:cNvCxnSpPr>
+            <a:stCxn id="110" idx="3"/>
+          </p:cNvCxnSpPr>
+          <p:nvPr/>
+        </p:nvCxnSpPr>
+        <p:spPr>
+          <a:xfrm>
+            <a:off x="2133237" y="3485441"/>
+            <a:ext cx="3612254" cy="49219"/>
+          </a:xfrm>
+          <a:prstGeom prst="line">
+            <a:avLst/>
+          </a:prstGeom>
+        </p:spPr>
+        <p:style>
+          <a:lnRef idx="1">
+            <a:schemeClr val="accent1"/>
+          </a:lnRef>
+          <a:fillRef idx="0">
+            <a:schemeClr val="accent1"/>
+          </a:fillRef>
+          <a:effectRef idx="0">
+            <a:schemeClr val="accent1"/>
+          </a:effectRef>
+          <a:fontRef idx="minor">
+            <a:schemeClr val="tx1"/>
+          </a:fontRef>
+        </p:style>
+      </p:cxnSp>
+      <p:sp>
+        <p:nvSpPr>
+          <p:cNvPr id="199" name="다이아몬드 198"/>
+          <p:cNvSpPr/>
+          <p:nvPr/>
+        </p:nvSpPr>
+        <p:spPr>
+          <a:xfrm>
+            <a:off x="3251793" y="3296890"/>
+            <a:ext cx="947364" cy="377102"/>
+          </a:xfrm>
+          <a:prstGeom prst="diamond">
+            <a:avLst/>
+          </a:prstGeom>
+        </p:spPr>
+        <p:style>
+          <a:lnRef idx="2">
+            <a:schemeClr val="accent1">
+              <a:shade val="50000"/>
+            </a:schemeClr>
+          </a:lnRef>
+          <a:fillRef idx="1">
+            <a:schemeClr val="accent1"/>
+          </a:fillRef>
+          <a:effectRef idx="0">
+            <a:schemeClr val="accent1"/>
+          </a:effectRef>
+          <a:fontRef idx="minor">
+            <a:schemeClr val="lt1"/>
+          </a:fontRef>
+        </p:style>
+        <p:txBody>
+          <a:bodyPr rtlCol="0" anchor="ctr"/>
+          <a:lstStyle/>
+          <a:p>
+            <a:pPr algn="ctr"/>
+            <a:r>
+              <a:rPr lang="ko-KR" altLang="en-US" sz="800" b="1" dirty="0" smtClean="0">
+                <a:solidFill>
+                  <a:schemeClr val="bg1"/>
+                </a:solidFill>
+              </a:rPr>
+              <a:t>포함</a:t>
+            </a:r>
+            <a:endParaRPr lang="en-US" altLang="ko-KR" sz="800" b="1" dirty="0" smtClean="0">
+              <a:solidFill>
+                <a:schemeClr val="bg1"/>
+              </a:solidFill>
+            </a:endParaRPr>
+          </a:p>
+        </p:txBody>
+      </p:sp>
+      <p:sp>
+        <p:nvSpPr>
+          <p:cNvPr id="6" name="직사각형 5"/>
+          <p:cNvSpPr/>
+          <p:nvPr/>
+        </p:nvSpPr>
+        <p:spPr>
+          <a:xfrm>
+            <a:off x="5529747" y="3420773"/>
+            <a:ext cx="797781" cy="308538"/>
+          </a:xfrm>
+          <a:prstGeom prst="rect">
+            <a:avLst/>
+          </a:prstGeom>
+        </p:spPr>
+        <p:style>
+          <a:lnRef idx="2">
+            <a:schemeClr val="accent1">
+              <a:shade val="50000"/>
+            </a:schemeClr>
+          </a:lnRef>
+          <a:fillRef idx="1">
+            <a:schemeClr val="accent1"/>
+          </a:fillRef>
+          <a:effectRef idx="0">
+            <a:schemeClr val="accent1"/>
+          </a:effectRef>
+          <a:fontRef idx="minor">
+            <a:schemeClr val="lt1"/>
+          </a:fontRef>
+        </p:style>
+        <p:txBody>
+          <a:bodyPr rtlCol="0" anchor="ctr"/>
+          <a:lstStyle/>
+          <a:p>
+            <a:pPr algn="ctr"/>
+            <a:r>
+              <a:rPr lang="ko-KR" altLang="en-US" sz="800" b="1" dirty="0" smtClean="0">
+                <a:solidFill>
+                  <a:schemeClr val="bg1"/>
+                </a:solidFill>
+              </a:rPr>
+              <a:t>게시판</a:t>
+            </a:r>
+            <a:endParaRPr lang="ko-KR" altLang="en-US" sz="800" b="1" dirty="0">
+              <a:solidFill>
+                <a:schemeClr val="bg1"/>
+              </a:solidFill>
+            </a:endParaRPr>
+          </a:p>
+        </p:txBody>
+      </p:sp>
+      <p:cxnSp>
+        <p:nvCxnSpPr>
+          <p:cNvPr id="201" name="직선 연결선 200"/>
+          <p:cNvCxnSpPr>
+            <a:stCxn id="177" idx="3"/>
+          </p:cNvCxnSpPr>
+          <p:nvPr/>
+        </p:nvCxnSpPr>
+        <p:spPr>
+          <a:xfrm flipV="1">
+            <a:off x="3603396" y="3519421"/>
+            <a:ext cx="2027900" cy="1460186"/>
+          </a:xfrm>
+          <a:prstGeom prst="line">
+            <a:avLst/>
+          </a:prstGeom>
+        </p:spPr>
+        <p:style>
+          <a:lnRef idx="1">
+            <a:schemeClr val="accent1"/>
+          </a:lnRef>
+          <a:fillRef idx="0">
+            <a:schemeClr val="accent1"/>
+          </a:fillRef>
+          <a:effectRef idx="0">
+            <a:schemeClr val="accent1"/>
+          </a:effectRef>
+          <a:fontRef idx="minor">
+            <a:schemeClr val="tx1"/>
+          </a:fontRef>
+        </p:style>
+      </p:cxnSp>
+      <p:sp>
+        <p:nvSpPr>
+          <p:cNvPr id="202" name="다이아몬드 201"/>
+          <p:cNvSpPr/>
+          <p:nvPr/>
+        </p:nvSpPr>
+        <p:spPr>
+          <a:xfrm>
+            <a:off x="4185904" y="3998245"/>
+            <a:ext cx="947364" cy="377102"/>
+          </a:xfrm>
+          <a:prstGeom prst="diamond">
+            <a:avLst/>
+          </a:prstGeom>
+        </p:spPr>
+        <p:style>
+          <a:lnRef idx="2">
+            <a:schemeClr val="accent1">
+              <a:shade val="50000"/>
+            </a:schemeClr>
+          </a:lnRef>
+          <a:fillRef idx="1">
+            <a:schemeClr val="accent1"/>
+          </a:fillRef>
+          <a:effectRef idx="0">
+            <a:schemeClr val="accent1"/>
+          </a:effectRef>
+          <a:fontRef idx="minor">
+            <a:schemeClr val="lt1"/>
+          </a:fontRef>
+        </p:style>
+        <p:txBody>
+          <a:bodyPr rtlCol="0" anchor="ctr"/>
+          <a:lstStyle/>
+          <a:p>
+            <a:pPr algn="ctr"/>
+            <a:r>
+              <a:rPr lang="ko-KR" altLang="en-US" sz="800" b="1" dirty="0" smtClean="0">
+                <a:solidFill>
+                  <a:schemeClr val="bg1"/>
+                </a:solidFill>
+              </a:rPr>
+              <a:t>포함</a:t>
+            </a:r>
+            <a:endParaRPr lang="en-US" altLang="ko-KR" sz="800" b="1" dirty="0" smtClean="0">
+              <a:solidFill>
+                <a:schemeClr val="bg1"/>
+              </a:solidFill>
+            </a:endParaRPr>
+          </a:p>
+        </p:txBody>
+      </p:sp>
+      <p:cxnSp>
+        <p:nvCxnSpPr>
+          <p:cNvPr id="207" name="직선 연결선 206"/>
+          <p:cNvCxnSpPr>
+            <a:stCxn id="4" idx="2"/>
+          </p:cNvCxnSpPr>
+          <p:nvPr/>
+        </p:nvCxnSpPr>
+        <p:spPr>
+          <a:xfrm>
+            <a:off x="1730531" y="1519946"/>
+            <a:ext cx="4305978" cy="1975548"/>
+          </a:xfrm>
+          <a:prstGeom prst="line">
+            <a:avLst/>
+          </a:prstGeom>
+        </p:spPr>
+        <p:style>
+          <a:lnRef idx="1">
+            <a:schemeClr val="accent1"/>
+          </a:lnRef>
+          <a:fillRef idx="0">
+            <a:schemeClr val="accent1"/>
+          </a:fillRef>
+          <a:effectRef idx="0">
+            <a:schemeClr val="accent1"/>
+          </a:effectRef>
+          <a:fontRef idx="minor">
+            <a:schemeClr val="tx1"/>
+          </a:fontRef>
+        </p:style>
+      </p:cxnSp>
+      <p:sp>
+        <p:nvSpPr>
+          <p:cNvPr id="208" name="다이아몬드 207"/>
+          <p:cNvSpPr/>
+          <p:nvPr/>
+        </p:nvSpPr>
+        <p:spPr>
+          <a:xfrm>
+            <a:off x="3200285" y="2240886"/>
+            <a:ext cx="947364" cy="377102"/>
+          </a:xfrm>
+          <a:prstGeom prst="diamond">
+            <a:avLst/>
+          </a:prstGeom>
+        </p:spPr>
+        <p:style>
+          <a:lnRef idx="2">
+            <a:schemeClr val="accent1">
+              <a:shade val="50000"/>
+            </a:schemeClr>
+          </a:lnRef>
+          <a:fillRef idx="1">
+            <a:schemeClr val="accent1"/>
+          </a:fillRef>
+          <a:effectRef idx="0">
+            <a:schemeClr val="accent1"/>
+          </a:effectRef>
+          <a:fontRef idx="minor">
+            <a:schemeClr val="lt1"/>
+          </a:fontRef>
+        </p:style>
+        <p:txBody>
+          <a:bodyPr rtlCol="0" anchor="ctr"/>
+          <a:lstStyle/>
+          <a:p>
+            <a:pPr algn="ctr"/>
+            <a:r>
+              <a:rPr lang="ko-KR" altLang="en-US" sz="800" b="1" dirty="0" smtClean="0">
+                <a:solidFill>
+                  <a:schemeClr val="bg1"/>
+                </a:solidFill>
+              </a:rPr>
+              <a:t>등록</a:t>
+            </a:r>
+            <a:endParaRPr lang="en-US" altLang="ko-KR" sz="800" b="1" dirty="0" smtClean="0">
+              <a:solidFill>
+                <a:schemeClr val="bg1"/>
+              </a:solidFill>
+            </a:endParaRPr>
+          </a:p>
+        </p:txBody>
+      </p:sp>
+      <p:sp>
+        <p:nvSpPr>
+          <p:cNvPr id="209" name="TextBox 208"/>
+          <p:cNvSpPr txBox="1"/>
+          <p:nvPr/>
+        </p:nvSpPr>
+        <p:spPr>
+          <a:xfrm>
+            <a:off x="3411104" y="1177126"/>
+            <a:ext cx="311304" cy="369332"/>
+          </a:xfrm>
+          <a:prstGeom prst="rect">
+            <a:avLst/>
+          </a:prstGeom>
+          <a:noFill/>
+        </p:spPr>
+        <p:txBody>
+          <a:bodyPr wrap="none" rtlCol="0">
+            <a:spAutoFit/>
+          </a:bodyPr>
+          <a:lstStyle/>
+          <a:p>
+            <a:r>
+              <a:rPr lang="en-US" altLang="ko-KR" dirty="0" smtClean="0"/>
+              <a:t>1</a:t>
+            </a:r>
+            <a:endParaRPr lang="ko-KR" altLang="en-US" dirty="0"/>
+          </a:p>
+        </p:txBody>
+      </p:sp>
+      <p:sp>
+        <p:nvSpPr>
+          <p:cNvPr id="210" name="TextBox 209"/>
+          <p:cNvSpPr txBox="1"/>
+          <p:nvPr/>
+        </p:nvSpPr>
+        <p:spPr>
+          <a:xfrm>
+            <a:off x="2187389" y="1163870"/>
+            <a:ext cx="311304" cy="369332"/>
+          </a:xfrm>
+          <a:prstGeom prst="rect">
+            <a:avLst/>
+          </a:prstGeom>
+          <a:noFill/>
+        </p:spPr>
+        <p:txBody>
+          <a:bodyPr wrap="none" rtlCol="0">
+            <a:spAutoFit/>
+          </a:bodyPr>
+          <a:lstStyle/>
+          <a:p>
+            <a:r>
+              <a:rPr lang="en-US" altLang="ko-KR" dirty="0" smtClean="0"/>
+              <a:t>1</a:t>
+            </a:r>
+            <a:endParaRPr lang="ko-KR" altLang="en-US" dirty="0"/>
+          </a:p>
+        </p:txBody>
+      </p:sp>
+      <p:sp>
+        <p:nvSpPr>
+          <p:cNvPr id="211" name="TextBox 210"/>
+          <p:cNvSpPr txBox="1"/>
+          <p:nvPr/>
+        </p:nvSpPr>
+        <p:spPr>
+          <a:xfrm>
+            <a:off x="2538531" y="1763023"/>
+            <a:ext cx="396262" cy="369332"/>
+          </a:xfrm>
+          <a:prstGeom prst="rect">
+            <a:avLst/>
+          </a:prstGeom>
+          <a:noFill/>
+        </p:spPr>
+        <p:txBody>
+          <a:bodyPr wrap="none" rtlCol="0">
+            <a:spAutoFit/>
+          </a:bodyPr>
+          <a:lstStyle/>
+          <a:p>
+            <a:r>
+              <a:rPr lang="en-US" altLang="ko-KR" dirty="0" smtClean="0"/>
+              <a:t>M</a:t>
+            </a:r>
+            <a:endParaRPr lang="ko-KR" altLang="en-US" dirty="0"/>
+          </a:p>
+        </p:txBody>
+      </p:sp>
+      <p:sp>
+        <p:nvSpPr>
+          <p:cNvPr id="212" name="TextBox 211"/>
+          <p:cNvSpPr txBox="1"/>
+          <p:nvPr/>
+        </p:nvSpPr>
+        <p:spPr>
+          <a:xfrm>
+            <a:off x="4737006" y="2800642"/>
+            <a:ext cx="360996" cy="369332"/>
+          </a:xfrm>
+          <a:prstGeom prst="rect">
+            <a:avLst/>
+          </a:prstGeom>
+          <a:noFill/>
+        </p:spPr>
+        <p:txBody>
+          <a:bodyPr wrap="none" rtlCol="0">
+            <a:spAutoFit/>
+          </a:bodyPr>
+          <a:lstStyle/>
+          <a:p>
+            <a:r>
+              <a:rPr lang="en-US" altLang="ko-KR" dirty="0" smtClean="0"/>
+              <a:t>N</a:t>
+            </a:r>
+            <a:endParaRPr lang="ko-KR" altLang="en-US" dirty="0"/>
+          </a:p>
+        </p:txBody>
+      </p:sp>
+      <p:sp>
+        <p:nvSpPr>
+          <p:cNvPr id="213" name="TextBox 212"/>
+          <p:cNvSpPr txBox="1"/>
+          <p:nvPr/>
+        </p:nvSpPr>
+        <p:spPr>
+          <a:xfrm>
+            <a:off x="2549937" y="3264431"/>
+            <a:ext cx="396262" cy="369332"/>
+          </a:xfrm>
+          <a:prstGeom prst="rect">
+            <a:avLst/>
+          </a:prstGeom>
+          <a:noFill/>
+        </p:spPr>
+        <p:txBody>
+          <a:bodyPr wrap="none" rtlCol="0">
+            <a:spAutoFit/>
+          </a:bodyPr>
+          <a:lstStyle/>
+          <a:p>
+            <a:r>
+              <a:rPr lang="en-US" altLang="ko-KR" dirty="0" smtClean="0"/>
+              <a:t>M</a:t>
+            </a:r>
+            <a:endParaRPr lang="ko-KR" altLang="en-US" dirty="0"/>
+          </a:p>
+        </p:txBody>
+      </p:sp>
+      <p:sp>
+        <p:nvSpPr>
+          <p:cNvPr id="214" name="TextBox 213"/>
+          <p:cNvSpPr txBox="1"/>
+          <p:nvPr/>
+        </p:nvSpPr>
+        <p:spPr>
+          <a:xfrm>
+            <a:off x="4600111" y="3334755"/>
+            <a:ext cx="360996" cy="369332"/>
+          </a:xfrm>
+          <a:prstGeom prst="rect">
+            <a:avLst/>
+          </a:prstGeom>
+          <a:noFill/>
+        </p:spPr>
+        <p:txBody>
+          <a:bodyPr wrap="none" rtlCol="0">
+            <a:spAutoFit/>
+          </a:bodyPr>
+          <a:lstStyle/>
+          <a:p>
+            <a:r>
+              <a:rPr lang="en-US" altLang="ko-KR" dirty="0" smtClean="0"/>
+              <a:t>N</a:t>
+            </a:r>
+            <a:endParaRPr lang="ko-KR" altLang="en-US" dirty="0"/>
+          </a:p>
+        </p:txBody>
+      </p:sp>
+      <p:sp>
+        <p:nvSpPr>
+          <p:cNvPr id="216" name="TextBox 215"/>
+          <p:cNvSpPr txBox="1"/>
+          <p:nvPr/>
+        </p:nvSpPr>
+        <p:spPr>
+          <a:xfrm>
+            <a:off x="3919993" y="4398383"/>
+            <a:ext cx="396262" cy="369332"/>
+          </a:xfrm>
+          <a:prstGeom prst="rect">
+            <a:avLst/>
+          </a:prstGeom>
+          <a:noFill/>
+        </p:spPr>
+        <p:txBody>
+          <a:bodyPr wrap="none" rtlCol="0">
+            <a:spAutoFit/>
+          </a:bodyPr>
+          <a:lstStyle/>
+          <a:p>
+            <a:r>
+              <a:rPr lang="en-US" altLang="ko-KR" dirty="0" smtClean="0"/>
+              <a:t>M</a:t>
+            </a:r>
+            <a:endParaRPr lang="ko-KR" altLang="en-US" dirty="0"/>
+          </a:p>
+        </p:txBody>
+      </p:sp>
+      <p:sp>
+        <p:nvSpPr>
+          <p:cNvPr id="217" name="TextBox 216"/>
+          <p:cNvSpPr txBox="1"/>
+          <p:nvPr/>
+        </p:nvSpPr>
+        <p:spPr>
+          <a:xfrm>
+            <a:off x="5019803" y="3655019"/>
+            <a:ext cx="311304" cy="369332"/>
+          </a:xfrm>
+          <a:prstGeom prst="rect">
+            <a:avLst/>
+          </a:prstGeom>
+          <a:noFill/>
+        </p:spPr>
+        <p:txBody>
+          <a:bodyPr wrap="none" rtlCol="0">
+            <a:spAutoFit/>
+          </a:bodyPr>
+          <a:lstStyle/>
+          <a:p>
+            <a:r>
+              <a:rPr lang="en-US" altLang="ko-KR" dirty="0" smtClean="0"/>
+              <a:t>1</a:t>
+            </a:r>
+            <a:endParaRPr lang="ko-KR" altLang="en-US" dirty="0"/>
+          </a:p>
+        </p:txBody>
+      </p:sp>
     </p:spTree>
     <p:extLst>
       <p:ext uri="{BB962C8B-B14F-4D97-AF65-F5344CB8AC3E}">
@@ -4946,6 +6626,13 @@
   <p:clrMapOvr>
     <a:masterClrMapping/>
   </p:clrMapOvr>
+  <p:timing>
+    <p:tnLst>
+      <p:par>
+        <p:cTn id="1" dur="indefinite" restart="never" nodeType="tmRoot"/>
+      </p:par>
+    </p:tnLst>
+  </p:timing>
 </p:sld>
 </file>
 
